--- a/ppts/Week2e_TensorFlow101_(basic_tensorflow).pptx
+++ b/ppts/Week2e_TensorFlow101_(basic_tensorflow).pptx
@@ -5,21 +5,28 @@
     <p:sldMasterId id="2147483648" r:id="rId1"/>
   </p:sldMasterIdLst>
   <p:notesMasterIdLst>
-    <p:notesMasterId r:id="rId14"/>
+    <p:notesMasterId r:id="rId21"/>
   </p:notesMasterIdLst>
   <p:sldIdLst>
     <p:sldId id="645" r:id="rId2"/>
-    <p:sldId id="647" r:id="rId3"/>
-    <p:sldId id="648" r:id="rId4"/>
-    <p:sldId id="649" r:id="rId5"/>
-    <p:sldId id="650" r:id="rId6"/>
-    <p:sldId id="651" r:id="rId7"/>
-    <p:sldId id="652" r:id="rId8"/>
-    <p:sldId id="653" r:id="rId9"/>
-    <p:sldId id="654" r:id="rId10"/>
-    <p:sldId id="655" r:id="rId11"/>
-    <p:sldId id="656" r:id="rId12"/>
-    <p:sldId id="657" r:id="rId13"/>
+    <p:sldId id="646" r:id="rId3"/>
+    <p:sldId id="647" r:id="rId4"/>
+    <p:sldId id="660" r:id="rId5"/>
+    <p:sldId id="661" r:id="rId6"/>
+    <p:sldId id="662" r:id="rId7"/>
+    <p:sldId id="663" r:id="rId8"/>
+    <p:sldId id="648" r:id="rId9"/>
+    <p:sldId id="649" r:id="rId10"/>
+    <p:sldId id="650" r:id="rId11"/>
+    <p:sldId id="651" r:id="rId12"/>
+    <p:sldId id="652" r:id="rId13"/>
+    <p:sldId id="653" r:id="rId14"/>
+    <p:sldId id="654" r:id="rId15"/>
+    <p:sldId id="655" r:id="rId16"/>
+    <p:sldId id="656" r:id="rId17"/>
+    <p:sldId id="657" r:id="rId18"/>
+    <p:sldId id="658" r:id="rId19"/>
+    <p:sldId id="659" r:id="rId20"/>
   </p:sldIdLst>
   <p:sldSz cx="9144000" cy="6858000" type="screen4x3"/>
   <p:notesSz cx="6858000" cy="9144000"/>
@@ -220,7 +227,7 @@
             <a:fld id="{E9CA654E-EBD9-4CE9-AAD0-9BCA047E2E1D}" type="datetimeFigureOut">
               <a:rPr lang="ko-KR" altLang="en-US" smtClean="0"/>
               <a:pPr/>
-              <a:t>2016. 9. 25.</a:t>
+              <a:t>2016. 10. 20.</a:t>
             </a:fld>
             <a:endParaRPr lang="ko-KR" altLang="en-US"/>
           </a:p>
@@ -535,6 +542,1297 @@
           <a:bodyPr/>
           <a:lstStyle/>
           <a:p>
+            <a:r>
+              <a:rPr kumimoji="1" lang="en-US" altLang="ko-KR" dirty="0" smtClean="0"/>
+              <a:t>import </a:t>
+            </a:r>
+            <a:r>
+              <a:rPr kumimoji="1" lang="en-US" altLang="ko-KR" dirty="0" err="1" smtClean="0"/>
+              <a:t>numpy</a:t>
+            </a:r>
+            <a:r>
+              <a:rPr kumimoji="1" lang="en-US" altLang="ko-KR" dirty="0" smtClean="0"/>
+              <a:t> as np</a:t>
+            </a:r>
+          </a:p>
+          <a:p>
+            <a:r>
+              <a:rPr kumimoji="1" lang="en-US" altLang="ko-KR" dirty="0" smtClean="0"/>
+              <a:t>import </a:t>
+            </a:r>
+            <a:r>
+              <a:rPr kumimoji="1" lang="en-US" altLang="ko-KR" dirty="0" err="1" smtClean="0"/>
+              <a:t>tensorflow</a:t>
+            </a:r>
+            <a:r>
+              <a:rPr kumimoji="1" lang="en-US" altLang="ko-KR" dirty="0" smtClean="0"/>
+              <a:t> as </a:t>
+            </a:r>
+            <a:r>
+              <a:rPr kumimoji="1" lang="en-US" altLang="ko-KR" dirty="0" err="1" smtClean="0"/>
+              <a:t>tf</a:t>
+            </a:r>
+            <a:endParaRPr kumimoji="1" lang="en-US" altLang="ko-KR" dirty="0" smtClean="0"/>
+          </a:p>
+          <a:p>
+            <a:r>
+              <a:rPr kumimoji="1" lang="en-US" altLang="ko-KR" dirty="0" smtClean="0"/>
+              <a:t>print ("PACKAGES LOADED")</a:t>
+            </a:r>
+            <a:endParaRPr kumimoji="1" lang="ko-KR" altLang="en-US" dirty="0"/>
+          </a:p>
+        </p:txBody>
+      </p:sp>
+      <p:sp>
+        <p:nvSpPr>
+          <p:cNvPr id="4" name="슬라이드 번호 개체 틀 3"/>
+          <p:cNvSpPr>
+            <a:spLocks noGrp="1"/>
+          </p:cNvSpPr>
+          <p:nvPr>
+            <p:ph type="sldNum" sz="quarter" idx="10"/>
+          </p:nvPr>
+        </p:nvSpPr>
+        <p:spPr/>
+        <p:txBody>
+          <a:bodyPr/>
+          <a:lstStyle/>
+          <a:p>
+            <a:fld id="{3C7970E3-E969-4B5B-B387-9B817F0C226C}" type="slidenum">
+              <a:rPr lang="ko-KR" altLang="en-US" smtClean="0"/>
+              <a:pPr/>
+              <a:t>2</a:t>
+            </a:fld>
+            <a:endParaRPr lang="ko-KR" altLang="en-US"/>
+          </a:p>
+        </p:txBody>
+      </p:sp>
+    </p:spTree>
+    <p:extLst>
+      <p:ext uri="{BB962C8B-B14F-4D97-AF65-F5344CB8AC3E}">
+        <p14:creationId xmlns:p14="http://schemas.microsoft.com/office/powerpoint/2010/main" val="465187670"/>
+      </p:ext>
+    </p:extLst>
+  </p:cSld>
+  <p:clrMapOvr>
+    <a:masterClrMapping/>
+  </p:clrMapOvr>
+</p:notes>
+</file>
+
+<file path=ppt/notesSlides/notesSlide10.xml><?xml version="1.0" encoding="utf-8"?>
+<p:notes xmlns:a="http://schemas.openxmlformats.org/drawingml/2006/main" xmlns:r="http://schemas.openxmlformats.org/officeDocument/2006/relationships" xmlns:p="http://schemas.openxmlformats.org/presentationml/2006/main">
+  <p:cSld>
+    <p:spTree>
+      <p:nvGrpSpPr>
+        <p:cNvPr id="1" name=""/>
+        <p:cNvGrpSpPr/>
+        <p:nvPr/>
+      </p:nvGrpSpPr>
+      <p:grpSpPr>
+        <a:xfrm>
+          <a:off x="0" y="0"/>
+          <a:ext cx="0" cy="0"/>
+          <a:chOff x="0" y="0"/>
+          <a:chExt cx="0" cy="0"/>
+        </a:xfrm>
+      </p:grpSpPr>
+      <p:sp>
+        <p:nvSpPr>
+          <p:cNvPr id="2" name="슬라이드 이미지 개체 틀 1"/>
+          <p:cNvSpPr>
+            <a:spLocks noGrp="1" noRot="1" noChangeAspect="1"/>
+          </p:cNvSpPr>
+          <p:nvPr>
+            <p:ph type="sldImg"/>
+          </p:nvPr>
+        </p:nvSpPr>
+        <p:spPr/>
+      </p:sp>
+      <p:sp>
+        <p:nvSpPr>
+          <p:cNvPr id="3" name="슬라이드 노트 개체 틀 2"/>
+          <p:cNvSpPr>
+            <a:spLocks noGrp="1"/>
+          </p:cNvSpPr>
+          <p:nvPr>
+            <p:ph type="body" idx="1"/>
+          </p:nvPr>
+        </p:nvSpPr>
+        <p:spPr/>
+        <p:txBody>
+          <a:bodyPr/>
+          <a:lstStyle/>
+          <a:p>
+            <a:r>
+              <a:rPr kumimoji="1" lang="en-US" altLang="ko-KR" dirty="0" smtClean="0"/>
+              <a:t>weight = </a:t>
+            </a:r>
+            <a:r>
+              <a:rPr kumimoji="1" lang="en-US" altLang="ko-KR" dirty="0" err="1" smtClean="0"/>
+              <a:t>tf.Variable</a:t>
+            </a:r>
+            <a:r>
+              <a:rPr kumimoji="1" lang="en-US" altLang="ko-KR" dirty="0" smtClean="0"/>
+              <a:t>(</a:t>
+            </a:r>
+            <a:r>
+              <a:rPr kumimoji="1" lang="en-US" altLang="ko-KR" dirty="0" err="1" smtClean="0"/>
+              <a:t>tf.random_normal</a:t>
+            </a:r>
+            <a:r>
+              <a:rPr kumimoji="1" lang="en-US" altLang="ko-KR" dirty="0" smtClean="0"/>
+              <a:t>([5, 2], </a:t>
+            </a:r>
+            <a:r>
+              <a:rPr kumimoji="1" lang="en-US" altLang="ko-KR" dirty="0" err="1" smtClean="0"/>
+              <a:t>stddev</a:t>
+            </a:r>
+            <a:r>
+              <a:rPr kumimoji="1" lang="en-US" altLang="ko-KR" dirty="0" smtClean="0"/>
+              <a:t>=0.1))</a:t>
+            </a:r>
+          </a:p>
+          <a:p>
+            <a:r>
+              <a:rPr kumimoji="1" lang="en-US" altLang="ko-KR" dirty="0" err="1" smtClean="0"/>
+              <a:t>print_tf</a:t>
+            </a:r>
+            <a:r>
+              <a:rPr kumimoji="1" lang="en-US" altLang="ko-KR" dirty="0" smtClean="0"/>
+              <a:t>(weight)</a:t>
+            </a:r>
+            <a:endParaRPr kumimoji="1" lang="ko-KR" altLang="en-US" dirty="0"/>
+          </a:p>
+        </p:txBody>
+      </p:sp>
+      <p:sp>
+        <p:nvSpPr>
+          <p:cNvPr id="4" name="슬라이드 번호 개체 틀 3"/>
+          <p:cNvSpPr>
+            <a:spLocks noGrp="1"/>
+          </p:cNvSpPr>
+          <p:nvPr>
+            <p:ph type="sldNum" sz="quarter" idx="10"/>
+          </p:nvPr>
+        </p:nvSpPr>
+        <p:spPr/>
+        <p:txBody>
+          <a:bodyPr/>
+          <a:lstStyle/>
+          <a:p>
+            <a:fld id="{3C7970E3-E969-4B5B-B387-9B817F0C226C}" type="slidenum">
+              <a:rPr lang="ko-KR" altLang="en-US" smtClean="0"/>
+              <a:pPr/>
+              <a:t>11</a:t>
+            </a:fld>
+            <a:endParaRPr lang="ko-KR" altLang="en-US"/>
+          </a:p>
+        </p:txBody>
+      </p:sp>
+    </p:spTree>
+    <p:extLst>
+      <p:ext uri="{BB962C8B-B14F-4D97-AF65-F5344CB8AC3E}">
+        <p14:creationId xmlns:p14="http://schemas.microsoft.com/office/powerpoint/2010/main" val="788694995"/>
+      </p:ext>
+    </p:extLst>
+  </p:cSld>
+  <p:clrMapOvr>
+    <a:masterClrMapping/>
+  </p:clrMapOvr>
+</p:notes>
+</file>
+
+<file path=ppt/notesSlides/notesSlide11.xml><?xml version="1.0" encoding="utf-8"?>
+<p:notes xmlns:a="http://schemas.openxmlformats.org/drawingml/2006/main" xmlns:r="http://schemas.openxmlformats.org/officeDocument/2006/relationships" xmlns:p="http://schemas.openxmlformats.org/presentationml/2006/main">
+  <p:cSld>
+    <p:spTree>
+      <p:nvGrpSpPr>
+        <p:cNvPr id="1" name=""/>
+        <p:cNvGrpSpPr/>
+        <p:nvPr/>
+      </p:nvGrpSpPr>
+      <p:grpSpPr>
+        <a:xfrm>
+          <a:off x="0" y="0"/>
+          <a:ext cx="0" cy="0"/>
+          <a:chOff x="0" y="0"/>
+          <a:chExt cx="0" cy="0"/>
+        </a:xfrm>
+      </p:grpSpPr>
+      <p:sp>
+        <p:nvSpPr>
+          <p:cNvPr id="2" name="슬라이드 이미지 개체 틀 1"/>
+          <p:cNvSpPr>
+            <a:spLocks noGrp="1" noRot="1" noChangeAspect="1"/>
+          </p:cNvSpPr>
+          <p:nvPr>
+            <p:ph type="sldImg"/>
+          </p:nvPr>
+        </p:nvSpPr>
+        <p:spPr/>
+      </p:sp>
+      <p:sp>
+        <p:nvSpPr>
+          <p:cNvPr id="3" name="슬라이드 노트 개체 틀 2"/>
+          <p:cNvSpPr>
+            <a:spLocks noGrp="1"/>
+          </p:cNvSpPr>
+          <p:nvPr>
+            <p:ph type="body" idx="1"/>
+          </p:nvPr>
+        </p:nvSpPr>
+        <p:spPr/>
+        <p:txBody>
+          <a:bodyPr/>
+          <a:lstStyle/>
+          <a:p>
+            <a:r>
+              <a:rPr kumimoji="1" lang="en-US" altLang="ko-KR" dirty="0" err="1" smtClean="0"/>
+              <a:t>weight_out</a:t>
+            </a:r>
+            <a:r>
+              <a:rPr kumimoji="1" lang="en-US" altLang="ko-KR" dirty="0" smtClean="0"/>
+              <a:t> = </a:t>
+            </a:r>
+            <a:r>
+              <a:rPr kumimoji="1" lang="en-US" altLang="ko-KR" dirty="0" err="1" smtClean="0"/>
+              <a:t>sess.run</a:t>
+            </a:r>
+            <a:r>
+              <a:rPr kumimoji="1" lang="en-US" altLang="ko-KR" dirty="0" smtClean="0"/>
+              <a:t>(weight)</a:t>
+            </a:r>
+          </a:p>
+          <a:p>
+            <a:r>
+              <a:rPr kumimoji="1" lang="en-US" altLang="ko-KR" dirty="0" err="1" smtClean="0"/>
+              <a:t>print_tf</a:t>
+            </a:r>
+            <a:r>
+              <a:rPr kumimoji="1" lang="en-US" altLang="ko-KR" dirty="0" smtClean="0"/>
+              <a:t>(</a:t>
+            </a:r>
+            <a:r>
+              <a:rPr kumimoji="1" lang="en-US" altLang="ko-KR" dirty="0" err="1" smtClean="0"/>
+              <a:t>weight_out</a:t>
+            </a:r>
+            <a:r>
+              <a:rPr kumimoji="1" lang="en-US" altLang="ko-KR" dirty="0" smtClean="0"/>
+              <a:t>)</a:t>
+            </a:r>
+            <a:endParaRPr kumimoji="1" lang="ko-KR" altLang="en-US" dirty="0"/>
+          </a:p>
+        </p:txBody>
+      </p:sp>
+      <p:sp>
+        <p:nvSpPr>
+          <p:cNvPr id="4" name="슬라이드 번호 개체 틀 3"/>
+          <p:cNvSpPr>
+            <a:spLocks noGrp="1"/>
+          </p:cNvSpPr>
+          <p:nvPr>
+            <p:ph type="sldNum" sz="quarter" idx="10"/>
+          </p:nvPr>
+        </p:nvSpPr>
+        <p:spPr/>
+        <p:txBody>
+          <a:bodyPr/>
+          <a:lstStyle/>
+          <a:p>
+            <a:fld id="{3C7970E3-E969-4B5B-B387-9B817F0C226C}" type="slidenum">
+              <a:rPr lang="ko-KR" altLang="en-US" smtClean="0"/>
+              <a:pPr/>
+              <a:t>12</a:t>
+            </a:fld>
+            <a:endParaRPr lang="ko-KR" altLang="en-US"/>
+          </a:p>
+        </p:txBody>
+      </p:sp>
+    </p:spTree>
+    <p:extLst>
+      <p:ext uri="{BB962C8B-B14F-4D97-AF65-F5344CB8AC3E}">
+        <p14:creationId xmlns:p14="http://schemas.microsoft.com/office/powerpoint/2010/main" val="1740718290"/>
+      </p:ext>
+    </p:extLst>
+  </p:cSld>
+  <p:clrMapOvr>
+    <a:masterClrMapping/>
+  </p:clrMapOvr>
+</p:notes>
+</file>
+
+<file path=ppt/notesSlides/notesSlide12.xml><?xml version="1.0" encoding="utf-8"?>
+<p:notes xmlns:a="http://schemas.openxmlformats.org/drawingml/2006/main" xmlns:r="http://schemas.openxmlformats.org/officeDocument/2006/relationships" xmlns:p="http://schemas.openxmlformats.org/presentationml/2006/main">
+  <p:cSld>
+    <p:spTree>
+      <p:nvGrpSpPr>
+        <p:cNvPr id="1" name=""/>
+        <p:cNvGrpSpPr/>
+        <p:nvPr/>
+      </p:nvGrpSpPr>
+      <p:grpSpPr>
+        <a:xfrm>
+          <a:off x="0" y="0"/>
+          <a:ext cx="0" cy="0"/>
+          <a:chOff x="0" y="0"/>
+          <a:chExt cx="0" cy="0"/>
+        </a:xfrm>
+      </p:grpSpPr>
+      <p:sp>
+        <p:nvSpPr>
+          <p:cNvPr id="2" name="슬라이드 이미지 개체 틀 1"/>
+          <p:cNvSpPr>
+            <a:spLocks noGrp="1" noRot="1" noChangeAspect="1"/>
+          </p:cNvSpPr>
+          <p:nvPr>
+            <p:ph type="sldImg"/>
+          </p:nvPr>
+        </p:nvSpPr>
+        <p:spPr/>
+      </p:sp>
+      <p:sp>
+        <p:nvSpPr>
+          <p:cNvPr id="3" name="슬라이드 노트 개체 틀 2"/>
+          <p:cNvSpPr>
+            <a:spLocks noGrp="1"/>
+          </p:cNvSpPr>
+          <p:nvPr>
+            <p:ph type="body" idx="1"/>
+          </p:nvPr>
+        </p:nvSpPr>
+        <p:spPr/>
+        <p:txBody>
+          <a:bodyPr/>
+          <a:lstStyle/>
+          <a:p>
+            <a:r>
+              <a:rPr kumimoji="1" lang="en-US" altLang="ko-KR" dirty="0" err="1" smtClean="0"/>
+              <a:t>init</a:t>
+            </a:r>
+            <a:r>
+              <a:rPr kumimoji="1" lang="en-US" altLang="ko-KR" dirty="0" smtClean="0"/>
+              <a:t> = </a:t>
+            </a:r>
+            <a:r>
+              <a:rPr kumimoji="1" lang="en-US" altLang="ko-KR" dirty="0" err="1" smtClean="0"/>
+              <a:t>tf.initialize_all_variables</a:t>
+            </a:r>
+            <a:r>
+              <a:rPr kumimoji="1" lang="en-US" altLang="ko-KR" dirty="0" smtClean="0"/>
+              <a:t>()</a:t>
+            </a:r>
+          </a:p>
+          <a:p>
+            <a:r>
+              <a:rPr kumimoji="1" lang="en-US" altLang="ko-KR" dirty="0" err="1" smtClean="0"/>
+              <a:t>sess.run</a:t>
+            </a:r>
+            <a:r>
+              <a:rPr kumimoji="1" lang="en-US" altLang="ko-KR" dirty="0" smtClean="0"/>
+              <a:t>(</a:t>
+            </a:r>
+            <a:r>
+              <a:rPr kumimoji="1" lang="en-US" altLang="ko-KR" dirty="0" err="1" smtClean="0"/>
+              <a:t>init</a:t>
+            </a:r>
+            <a:r>
+              <a:rPr kumimoji="1" lang="en-US" altLang="ko-KR" dirty="0" smtClean="0"/>
+              <a:t>)</a:t>
+            </a:r>
+          </a:p>
+          <a:p>
+            <a:r>
+              <a:rPr kumimoji="1" lang="en-US" altLang="ko-KR" dirty="0" smtClean="0"/>
+              <a:t>print ("INITIALIZING ALL VARIALBES")</a:t>
+            </a:r>
+            <a:endParaRPr kumimoji="1" lang="ko-KR" altLang="en-US" dirty="0"/>
+          </a:p>
+        </p:txBody>
+      </p:sp>
+      <p:sp>
+        <p:nvSpPr>
+          <p:cNvPr id="4" name="슬라이드 번호 개체 틀 3"/>
+          <p:cNvSpPr>
+            <a:spLocks noGrp="1"/>
+          </p:cNvSpPr>
+          <p:nvPr>
+            <p:ph type="sldNum" sz="quarter" idx="10"/>
+          </p:nvPr>
+        </p:nvSpPr>
+        <p:spPr/>
+        <p:txBody>
+          <a:bodyPr/>
+          <a:lstStyle/>
+          <a:p>
+            <a:fld id="{3C7970E3-E969-4B5B-B387-9B817F0C226C}" type="slidenum">
+              <a:rPr lang="ko-KR" altLang="en-US" smtClean="0"/>
+              <a:pPr/>
+              <a:t>14</a:t>
+            </a:fld>
+            <a:endParaRPr lang="ko-KR" altLang="en-US"/>
+          </a:p>
+        </p:txBody>
+      </p:sp>
+    </p:spTree>
+    <p:extLst>
+      <p:ext uri="{BB962C8B-B14F-4D97-AF65-F5344CB8AC3E}">
+        <p14:creationId xmlns:p14="http://schemas.microsoft.com/office/powerpoint/2010/main" val="189739457"/>
+      </p:ext>
+    </p:extLst>
+  </p:cSld>
+  <p:clrMapOvr>
+    <a:masterClrMapping/>
+  </p:clrMapOvr>
+</p:notes>
+</file>
+
+<file path=ppt/notesSlides/notesSlide13.xml><?xml version="1.0" encoding="utf-8"?>
+<p:notes xmlns:a="http://schemas.openxmlformats.org/drawingml/2006/main" xmlns:r="http://schemas.openxmlformats.org/officeDocument/2006/relationships" xmlns:p="http://schemas.openxmlformats.org/presentationml/2006/main">
+  <p:cSld>
+    <p:spTree>
+      <p:nvGrpSpPr>
+        <p:cNvPr id="1" name=""/>
+        <p:cNvGrpSpPr/>
+        <p:nvPr/>
+      </p:nvGrpSpPr>
+      <p:grpSpPr>
+        <a:xfrm>
+          <a:off x="0" y="0"/>
+          <a:ext cx="0" cy="0"/>
+          <a:chOff x="0" y="0"/>
+          <a:chExt cx="0" cy="0"/>
+        </a:xfrm>
+      </p:grpSpPr>
+      <p:sp>
+        <p:nvSpPr>
+          <p:cNvPr id="2" name="슬라이드 이미지 개체 틀 1"/>
+          <p:cNvSpPr>
+            <a:spLocks noGrp="1" noRot="1" noChangeAspect="1"/>
+          </p:cNvSpPr>
+          <p:nvPr>
+            <p:ph type="sldImg"/>
+          </p:nvPr>
+        </p:nvSpPr>
+        <p:spPr/>
+      </p:sp>
+      <p:sp>
+        <p:nvSpPr>
+          <p:cNvPr id="3" name="슬라이드 노트 개체 틀 2"/>
+          <p:cNvSpPr>
+            <a:spLocks noGrp="1"/>
+          </p:cNvSpPr>
+          <p:nvPr>
+            <p:ph type="body" idx="1"/>
+          </p:nvPr>
+        </p:nvSpPr>
+        <p:spPr/>
+        <p:txBody>
+          <a:bodyPr/>
+          <a:lstStyle/>
+          <a:p>
+            <a:r>
+              <a:rPr kumimoji="1" lang="en-US" altLang="ko-KR" dirty="0" err="1" smtClean="0"/>
+              <a:t>weight_out</a:t>
+            </a:r>
+            <a:r>
+              <a:rPr kumimoji="1" lang="en-US" altLang="ko-KR" dirty="0" smtClean="0"/>
+              <a:t> = </a:t>
+            </a:r>
+            <a:r>
+              <a:rPr kumimoji="1" lang="en-US" altLang="ko-KR" dirty="0" err="1" smtClean="0"/>
+              <a:t>sess.run</a:t>
+            </a:r>
+            <a:r>
+              <a:rPr kumimoji="1" lang="en-US" altLang="ko-KR" dirty="0" smtClean="0"/>
+              <a:t>(weight)</a:t>
+            </a:r>
+          </a:p>
+          <a:p>
+            <a:r>
+              <a:rPr kumimoji="1" lang="en-US" altLang="ko-KR" dirty="0" err="1" smtClean="0"/>
+              <a:t>print_tf</a:t>
+            </a:r>
+            <a:r>
+              <a:rPr kumimoji="1" lang="en-US" altLang="ko-KR" dirty="0" smtClean="0"/>
+              <a:t>(</a:t>
+            </a:r>
+            <a:r>
+              <a:rPr kumimoji="1" lang="en-US" altLang="ko-KR" dirty="0" err="1" smtClean="0"/>
+              <a:t>weight_out</a:t>
+            </a:r>
+            <a:r>
+              <a:rPr kumimoji="1" lang="en-US" altLang="ko-KR" dirty="0" smtClean="0"/>
+              <a:t>)</a:t>
+            </a:r>
+            <a:endParaRPr kumimoji="1" lang="ko-KR" altLang="en-US" dirty="0"/>
+          </a:p>
+        </p:txBody>
+      </p:sp>
+      <p:sp>
+        <p:nvSpPr>
+          <p:cNvPr id="4" name="슬라이드 번호 개체 틀 3"/>
+          <p:cNvSpPr>
+            <a:spLocks noGrp="1"/>
+          </p:cNvSpPr>
+          <p:nvPr>
+            <p:ph type="sldNum" sz="quarter" idx="10"/>
+          </p:nvPr>
+        </p:nvSpPr>
+        <p:spPr/>
+        <p:txBody>
+          <a:bodyPr/>
+          <a:lstStyle/>
+          <a:p>
+            <a:fld id="{3C7970E3-E969-4B5B-B387-9B817F0C226C}" type="slidenum">
+              <a:rPr lang="ko-KR" altLang="en-US" smtClean="0"/>
+              <a:pPr/>
+              <a:t>15</a:t>
+            </a:fld>
+            <a:endParaRPr lang="ko-KR" altLang="en-US"/>
+          </a:p>
+        </p:txBody>
+      </p:sp>
+    </p:spTree>
+    <p:extLst>
+      <p:ext uri="{BB962C8B-B14F-4D97-AF65-F5344CB8AC3E}">
+        <p14:creationId xmlns:p14="http://schemas.microsoft.com/office/powerpoint/2010/main" val="1158772840"/>
+      </p:ext>
+    </p:extLst>
+  </p:cSld>
+  <p:clrMapOvr>
+    <a:masterClrMapping/>
+  </p:clrMapOvr>
+</p:notes>
+</file>
+
+<file path=ppt/notesSlides/notesSlide14.xml><?xml version="1.0" encoding="utf-8"?>
+<p:notes xmlns:a="http://schemas.openxmlformats.org/drawingml/2006/main" xmlns:r="http://schemas.openxmlformats.org/officeDocument/2006/relationships" xmlns:p="http://schemas.openxmlformats.org/presentationml/2006/main">
+  <p:cSld>
+    <p:spTree>
+      <p:nvGrpSpPr>
+        <p:cNvPr id="1" name=""/>
+        <p:cNvGrpSpPr/>
+        <p:nvPr/>
+      </p:nvGrpSpPr>
+      <p:grpSpPr>
+        <a:xfrm>
+          <a:off x="0" y="0"/>
+          <a:ext cx="0" cy="0"/>
+          <a:chOff x="0" y="0"/>
+          <a:chExt cx="0" cy="0"/>
+        </a:xfrm>
+      </p:grpSpPr>
+      <p:sp>
+        <p:nvSpPr>
+          <p:cNvPr id="2" name="슬라이드 이미지 개체 틀 1"/>
+          <p:cNvSpPr>
+            <a:spLocks noGrp="1" noRot="1" noChangeAspect="1"/>
+          </p:cNvSpPr>
+          <p:nvPr>
+            <p:ph type="sldImg"/>
+          </p:nvPr>
+        </p:nvSpPr>
+        <p:spPr/>
+      </p:sp>
+      <p:sp>
+        <p:nvSpPr>
+          <p:cNvPr id="3" name="슬라이드 노트 개체 틀 2"/>
+          <p:cNvSpPr>
+            <a:spLocks noGrp="1"/>
+          </p:cNvSpPr>
+          <p:nvPr>
+            <p:ph type="body" idx="1"/>
+          </p:nvPr>
+        </p:nvSpPr>
+        <p:spPr/>
+        <p:txBody>
+          <a:bodyPr/>
+          <a:lstStyle/>
+          <a:p>
+            <a:r>
+              <a:rPr kumimoji="1" lang="en-US" altLang="ko-KR" dirty="0" smtClean="0"/>
+              <a:t>x = </a:t>
+            </a:r>
+            <a:r>
+              <a:rPr kumimoji="1" lang="en-US" altLang="ko-KR" dirty="0" err="1" smtClean="0"/>
+              <a:t>tf.placeholder</a:t>
+            </a:r>
+            <a:r>
+              <a:rPr kumimoji="1" lang="en-US" altLang="ko-KR" dirty="0" smtClean="0"/>
+              <a:t>(tf.float32, [None, 5])</a:t>
+            </a:r>
+          </a:p>
+          <a:p>
+            <a:r>
+              <a:rPr kumimoji="1" lang="en-US" altLang="ko-KR" dirty="0" err="1" smtClean="0"/>
+              <a:t>print_tf</a:t>
+            </a:r>
+            <a:r>
+              <a:rPr kumimoji="1" lang="en-US" altLang="ko-KR" dirty="0" smtClean="0"/>
+              <a:t>(x)</a:t>
+            </a:r>
+            <a:endParaRPr kumimoji="1" lang="ko-KR" altLang="en-US" dirty="0"/>
+          </a:p>
+        </p:txBody>
+      </p:sp>
+      <p:sp>
+        <p:nvSpPr>
+          <p:cNvPr id="4" name="슬라이드 번호 개체 틀 3"/>
+          <p:cNvSpPr>
+            <a:spLocks noGrp="1"/>
+          </p:cNvSpPr>
+          <p:nvPr>
+            <p:ph type="sldNum" sz="quarter" idx="10"/>
+          </p:nvPr>
+        </p:nvSpPr>
+        <p:spPr/>
+        <p:txBody>
+          <a:bodyPr/>
+          <a:lstStyle/>
+          <a:p>
+            <a:fld id="{3C7970E3-E969-4B5B-B387-9B817F0C226C}" type="slidenum">
+              <a:rPr lang="ko-KR" altLang="en-US" smtClean="0"/>
+              <a:pPr/>
+              <a:t>16</a:t>
+            </a:fld>
+            <a:endParaRPr lang="ko-KR" altLang="en-US"/>
+          </a:p>
+        </p:txBody>
+      </p:sp>
+    </p:spTree>
+    <p:extLst>
+      <p:ext uri="{BB962C8B-B14F-4D97-AF65-F5344CB8AC3E}">
+        <p14:creationId xmlns:p14="http://schemas.microsoft.com/office/powerpoint/2010/main" val="255665845"/>
+      </p:ext>
+    </p:extLst>
+  </p:cSld>
+  <p:clrMapOvr>
+    <a:masterClrMapping/>
+  </p:clrMapOvr>
+</p:notes>
+</file>
+
+<file path=ppt/notesSlides/notesSlide15.xml><?xml version="1.0" encoding="utf-8"?>
+<p:notes xmlns:a="http://schemas.openxmlformats.org/drawingml/2006/main" xmlns:r="http://schemas.openxmlformats.org/officeDocument/2006/relationships" xmlns:p="http://schemas.openxmlformats.org/presentationml/2006/main">
+  <p:cSld>
+    <p:spTree>
+      <p:nvGrpSpPr>
+        <p:cNvPr id="1" name=""/>
+        <p:cNvGrpSpPr/>
+        <p:nvPr/>
+      </p:nvGrpSpPr>
+      <p:grpSpPr>
+        <a:xfrm>
+          <a:off x="0" y="0"/>
+          <a:ext cx="0" cy="0"/>
+          <a:chOff x="0" y="0"/>
+          <a:chExt cx="0" cy="0"/>
+        </a:xfrm>
+      </p:grpSpPr>
+      <p:sp>
+        <p:nvSpPr>
+          <p:cNvPr id="2" name="슬라이드 이미지 개체 틀 1"/>
+          <p:cNvSpPr>
+            <a:spLocks noGrp="1" noRot="1" noChangeAspect="1"/>
+          </p:cNvSpPr>
+          <p:nvPr>
+            <p:ph type="sldImg"/>
+          </p:nvPr>
+        </p:nvSpPr>
+        <p:spPr/>
+      </p:sp>
+      <p:sp>
+        <p:nvSpPr>
+          <p:cNvPr id="3" name="슬라이드 노트 개체 틀 2"/>
+          <p:cNvSpPr>
+            <a:spLocks noGrp="1"/>
+          </p:cNvSpPr>
+          <p:nvPr>
+            <p:ph type="body" idx="1"/>
+          </p:nvPr>
+        </p:nvSpPr>
+        <p:spPr/>
+        <p:txBody>
+          <a:bodyPr/>
+          <a:lstStyle/>
+          <a:p>
+            <a:r>
+              <a:rPr kumimoji="1" lang="en-US" altLang="ko-KR" dirty="0" err="1" smtClean="0"/>
+              <a:t>oper</a:t>
+            </a:r>
+            <a:r>
+              <a:rPr kumimoji="1" lang="en-US" altLang="ko-KR" dirty="0" smtClean="0"/>
+              <a:t> = </a:t>
+            </a:r>
+            <a:r>
+              <a:rPr kumimoji="1" lang="en-US" altLang="ko-KR" dirty="0" err="1" smtClean="0"/>
+              <a:t>tf.matmul</a:t>
+            </a:r>
+            <a:r>
+              <a:rPr kumimoji="1" lang="en-US" altLang="ko-KR" dirty="0" smtClean="0"/>
+              <a:t>(x, weight)</a:t>
+            </a:r>
+          </a:p>
+          <a:p>
+            <a:r>
+              <a:rPr kumimoji="1" lang="en-US" altLang="ko-KR" dirty="0" err="1" smtClean="0"/>
+              <a:t>print_tf</a:t>
+            </a:r>
+            <a:r>
+              <a:rPr kumimoji="1" lang="en-US" altLang="ko-KR" dirty="0" smtClean="0"/>
+              <a:t>(</a:t>
+            </a:r>
+            <a:r>
+              <a:rPr kumimoji="1" lang="en-US" altLang="ko-KR" dirty="0" err="1" smtClean="0"/>
+              <a:t>oper</a:t>
+            </a:r>
+            <a:r>
+              <a:rPr kumimoji="1" lang="en-US" altLang="ko-KR" dirty="0" smtClean="0"/>
+              <a:t>)</a:t>
+            </a:r>
+            <a:endParaRPr kumimoji="1" lang="ko-KR" altLang="en-US" dirty="0"/>
+          </a:p>
+        </p:txBody>
+      </p:sp>
+      <p:sp>
+        <p:nvSpPr>
+          <p:cNvPr id="4" name="슬라이드 번호 개체 틀 3"/>
+          <p:cNvSpPr>
+            <a:spLocks noGrp="1"/>
+          </p:cNvSpPr>
+          <p:nvPr>
+            <p:ph type="sldNum" sz="quarter" idx="10"/>
+          </p:nvPr>
+        </p:nvSpPr>
+        <p:spPr/>
+        <p:txBody>
+          <a:bodyPr/>
+          <a:lstStyle/>
+          <a:p>
+            <a:fld id="{3C7970E3-E969-4B5B-B387-9B817F0C226C}" type="slidenum">
+              <a:rPr lang="ko-KR" altLang="en-US" smtClean="0"/>
+              <a:pPr/>
+              <a:t>17</a:t>
+            </a:fld>
+            <a:endParaRPr lang="ko-KR" altLang="en-US"/>
+          </a:p>
+        </p:txBody>
+      </p:sp>
+    </p:spTree>
+    <p:extLst>
+      <p:ext uri="{BB962C8B-B14F-4D97-AF65-F5344CB8AC3E}">
+        <p14:creationId xmlns:p14="http://schemas.microsoft.com/office/powerpoint/2010/main" val="398337654"/>
+      </p:ext>
+    </p:extLst>
+  </p:cSld>
+  <p:clrMapOvr>
+    <a:masterClrMapping/>
+  </p:clrMapOvr>
+</p:notes>
+</file>
+
+<file path=ppt/notesSlides/notesSlide16.xml><?xml version="1.0" encoding="utf-8"?>
+<p:notes xmlns:a="http://schemas.openxmlformats.org/drawingml/2006/main" xmlns:r="http://schemas.openxmlformats.org/officeDocument/2006/relationships" xmlns:p="http://schemas.openxmlformats.org/presentationml/2006/main">
+  <p:cSld>
+    <p:spTree>
+      <p:nvGrpSpPr>
+        <p:cNvPr id="1" name=""/>
+        <p:cNvGrpSpPr/>
+        <p:nvPr/>
+      </p:nvGrpSpPr>
+      <p:grpSpPr>
+        <a:xfrm>
+          <a:off x="0" y="0"/>
+          <a:ext cx="0" cy="0"/>
+          <a:chOff x="0" y="0"/>
+          <a:chExt cx="0" cy="0"/>
+        </a:xfrm>
+      </p:grpSpPr>
+      <p:sp>
+        <p:nvSpPr>
+          <p:cNvPr id="2" name="슬라이드 이미지 개체 틀 1"/>
+          <p:cNvSpPr>
+            <a:spLocks noGrp="1" noRot="1" noChangeAspect="1"/>
+          </p:cNvSpPr>
+          <p:nvPr>
+            <p:ph type="sldImg"/>
+          </p:nvPr>
+        </p:nvSpPr>
+        <p:spPr/>
+      </p:sp>
+      <p:sp>
+        <p:nvSpPr>
+          <p:cNvPr id="3" name="슬라이드 노트 개체 틀 2"/>
+          <p:cNvSpPr>
+            <a:spLocks noGrp="1"/>
+          </p:cNvSpPr>
+          <p:nvPr>
+            <p:ph type="body" idx="1"/>
+          </p:nvPr>
+        </p:nvSpPr>
+        <p:spPr/>
+        <p:txBody>
+          <a:bodyPr/>
+          <a:lstStyle/>
+          <a:p>
+            <a:r>
+              <a:rPr kumimoji="1" lang="en-US" altLang="ko-KR" dirty="0" smtClean="0"/>
+              <a:t>data = </a:t>
+            </a:r>
+            <a:r>
+              <a:rPr kumimoji="1" lang="en-US" altLang="ko-KR" dirty="0" err="1" smtClean="0"/>
+              <a:t>np.random.rand</a:t>
+            </a:r>
+            <a:r>
+              <a:rPr kumimoji="1" lang="en-US" altLang="ko-KR" dirty="0" smtClean="0"/>
+              <a:t>(1, 5)</a:t>
+            </a:r>
+          </a:p>
+          <a:p>
+            <a:r>
+              <a:rPr kumimoji="1" lang="en-US" altLang="ko-KR" dirty="0" err="1" smtClean="0"/>
+              <a:t>oper_out</a:t>
+            </a:r>
+            <a:r>
+              <a:rPr kumimoji="1" lang="en-US" altLang="ko-KR" dirty="0" smtClean="0"/>
+              <a:t> = </a:t>
+            </a:r>
+            <a:r>
+              <a:rPr kumimoji="1" lang="en-US" altLang="ko-KR" dirty="0" err="1" smtClean="0"/>
+              <a:t>sess.run</a:t>
+            </a:r>
+            <a:r>
+              <a:rPr kumimoji="1" lang="en-US" altLang="ko-KR" dirty="0" smtClean="0"/>
+              <a:t>(</a:t>
+            </a:r>
+            <a:r>
+              <a:rPr kumimoji="1" lang="en-US" altLang="ko-KR" dirty="0" err="1" smtClean="0"/>
+              <a:t>oper</a:t>
+            </a:r>
+            <a:r>
+              <a:rPr kumimoji="1" lang="en-US" altLang="ko-KR" dirty="0" smtClean="0"/>
+              <a:t>, </a:t>
+            </a:r>
+            <a:r>
+              <a:rPr kumimoji="1" lang="en-US" altLang="ko-KR" dirty="0" err="1" smtClean="0"/>
+              <a:t>feed_dict</a:t>
+            </a:r>
+            <a:r>
+              <a:rPr kumimoji="1" lang="en-US" altLang="ko-KR" dirty="0" smtClean="0"/>
+              <a:t>={x: data})</a:t>
+            </a:r>
+          </a:p>
+          <a:p>
+            <a:r>
+              <a:rPr kumimoji="1" lang="en-US" altLang="ko-KR" dirty="0" err="1" smtClean="0"/>
+              <a:t>print_tf</a:t>
+            </a:r>
+            <a:r>
+              <a:rPr kumimoji="1" lang="en-US" altLang="ko-KR" dirty="0" smtClean="0"/>
+              <a:t>(</a:t>
+            </a:r>
+            <a:r>
+              <a:rPr kumimoji="1" lang="en-US" altLang="ko-KR" dirty="0" err="1" smtClean="0"/>
+              <a:t>oper_out</a:t>
+            </a:r>
+            <a:r>
+              <a:rPr kumimoji="1" lang="en-US" altLang="ko-KR" dirty="0" smtClean="0"/>
+              <a:t>)</a:t>
+            </a:r>
+            <a:endParaRPr kumimoji="1" lang="ko-KR" altLang="en-US" dirty="0"/>
+          </a:p>
+        </p:txBody>
+      </p:sp>
+      <p:sp>
+        <p:nvSpPr>
+          <p:cNvPr id="4" name="슬라이드 번호 개체 틀 3"/>
+          <p:cNvSpPr>
+            <a:spLocks noGrp="1"/>
+          </p:cNvSpPr>
+          <p:nvPr>
+            <p:ph type="sldNum" sz="quarter" idx="10"/>
+          </p:nvPr>
+        </p:nvSpPr>
+        <p:spPr/>
+        <p:txBody>
+          <a:bodyPr/>
+          <a:lstStyle/>
+          <a:p>
+            <a:fld id="{3C7970E3-E969-4B5B-B387-9B817F0C226C}" type="slidenum">
+              <a:rPr lang="ko-KR" altLang="en-US" smtClean="0"/>
+              <a:pPr/>
+              <a:t>18</a:t>
+            </a:fld>
+            <a:endParaRPr lang="ko-KR" altLang="en-US"/>
+          </a:p>
+        </p:txBody>
+      </p:sp>
+    </p:spTree>
+    <p:extLst>
+      <p:ext uri="{BB962C8B-B14F-4D97-AF65-F5344CB8AC3E}">
+        <p14:creationId xmlns:p14="http://schemas.microsoft.com/office/powerpoint/2010/main" val="2021421755"/>
+      </p:ext>
+    </p:extLst>
+  </p:cSld>
+  <p:clrMapOvr>
+    <a:masterClrMapping/>
+  </p:clrMapOvr>
+</p:notes>
+</file>
+
+<file path=ppt/notesSlides/notesSlide17.xml><?xml version="1.0" encoding="utf-8"?>
+<p:notes xmlns:a="http://schemas.openxmlformats.org/drawingml/2006/main" xmlns:r="http://schemas.openxmlformats.org/officeDocument/2006/relationships" xmlns:p="http://schemas.openxmlformats.org/presentationml/2006/main">
+  <p:cSld>
+    <p:spTree>
+      <p:nvGrpSpPr>
+        <p:cNvPr id="1" name=""/>
+        <p:cNvGrpSpPr/>
+        <p:nvPr/>
+      </p:nvGrpSpPr>
+      <p:grpSpPr>
+        <a:xfrm>
+          <a:off x="0" y="0"/>
+          <a:ext cx="0" cy="0"/>
+          <a:chOff x="0" y="0"/>
+          <a:chExt cx="0" cy="0"/>
+        </a:xfrm>
+      </p:grpSpPr>
+      <p:sp>
+        <p:nvSpPr>
+          <p:cNvPr id="2" name="슬라이드 이미지 개체 틀 1"/>
+          <p:cNvSpPr>
+            <a:spLocks noGrp="1" noRot="1" noChangeAspect="1"/>
+          </p:cNvSpPr>
+          <p:nvPr>
+            <p:ph type="sldImg"/>
+          </p:nvPr>
+        </p:nvSpPr>
+        <p:spPr/>
+      </p:sp>
+      <p:sp>
+        <p:nvSpPr>
+          <p:cNvPr id="3" name="슬라이드 노트 개체 틀 2"/>
+          <p:cNvSpPr>
+            <a:spLocks noGrp="1"/>
+          </p:cNvSpPr>
+          <p:nvPr>
+            <p:ph type="body" idx="1"/>
+          </p:nvPr>
+        </p:nvSpPr>
+        <p:spPr/>
+        <p:txBody>
+          <a:bodyPr/>
+          <a:lstStyle/>
+          <a:p>
+            <a:r>
+              <a:rPr kumimoji="1" lang="en-US" altLang="ko-KR" dirty="0" smtClean="0"/>
+              <a:t>data = </a:t>
+            </a:r>
+            <a:r>
+              <a:rPr kumimoji="1" lang="en-US" altLang="ko-KR" dirty="0" err="1" smtClean="0"/>
+              <a:t>np.random.rand</a:t>
+            </a:r>
+            <a:r>
+              <a:rPr kumimoji="1" lang="en-US" altLang="ko-KR" dirty="0" smtClean="0"/>
+              <a:t>(2, 5)</a:t>
+            </a:r>
+          </a:p>
+          <a:p>
+            <a:r>
+              <a:rPr kumimoji="1" lang="en-US" altLang="ko-KR" dirty="0" err="1" smtClean="0"/>
+              <a:t>oper_out</a:t>
+            </a:r>
+            <a:r>
+              <a:rPr kumimoji="1" lang="en-US" altLang="ko-KR" dirty="0" smtClean="0"/>
+              <a:t> = </a:t>
+            </a:r>
+            <a:r>
+              <a:rPr kumimoji="1" lang="en-US" altLang="ko-KR" dirty="0" err="1" smtClean="0"/>
+              <a:t>sess.run</a:t>
+            </a:r>
+            <a:r>
+              <a:rPr kumimoji="1" lang="en-US" altLang="ko-KR" dirty="0" smtClean="0"/>
+              <a:t>(</a:t>
+            </a:r>
+            <a:r>
+              <a:rPr kumimoji="1" lang="en-US" altLang="ko-KR" dirty="0" err="1" smtClean="0"/>
+              <a:t>oper</a:t>
+            </a:r>
+            <a:r>
+              <a:rPr kumimoji="1" lang="en-US" altLang="ko-KR" dirty="0" smtClean="0"/>
+              <a:t>, </a:t>
+            </a:r>
+            <a:r>
+              <a:rPr kumimoji="1" lang="en-US" altLang="ko-KR" dirty="0" err="1" smtClean="0"/>
+              <a:t>feed_dict</a:t>
+            </a:r>
+            <a:r>
+              <a:rPr kumimoji="1" lang="en-US" altLang="ko-KR" dirty="0" smtClean="0"/>
+              <a:t>={x: data})</a:t>
+            </a:r>
+          </a:p>
+          <a:p>
+            <a:r>
+              <a:rPr kumimoji="1" lang="en-US" altLang="ko-KR" dirty="0" err="1" smtClean="0"/>
+              <a:t>print_tf</a:t>
+            </a:r>
+            <a:r>
+              <a:rPr kumimoji="1" lang="en-US" altLang="ko-KR" dirty="0" smtClean="0"/>
+              <a:t>(</a:t>
+            </a:r>
+            <a:r>
+              <a:rPr kumimoji="1" lang="en-US" altLang="ko-KR" dirty="0" err="1" smtClean="0"/>
+              <a:t>oper_out</a:t>
+            </a:r>
+            <a:r>
+              <a:rPr kumimoji="1" lang="en-US" altLang="ko-KR" dirty="0" smtClean="0"/>
+              <a:t>)</a:t>
+            </a:r>
+            <a:endParaRPr kumimoji="1" lang="ko-KR" altLang="en-US" dirty="0"/>
+          </a:p>
+        </p:txBody>
+      </p:sp>
+      <p:sp>
+        <p:nvSpPr>
+          <p:cNvPr id="4" name="슬라이드 번호 개체 틀 3"/>
+          <p:cNvSpPr>
+            <a:spLocks noGrp="1"/>
+          </p:cNvSpPr>
+          <p:nvPr>
+            <p:ph type="sldNum" sz="quarter" idx="10"/>
+          </p:nvPr>
+        </p:nvSpPr>
+        <p:spPr/>
+        <p:txBody>
+          <a:bodyPr/>
+          <a:lstStyle/>
+          <a:p>
+            <a:fld id="{3C7970E3-E969-4B5B-B387-9B817F0C226C}" type="slidenum">
+              <a:rPr lang="ko-KR" altLang="en-US" smtClean="0"/>
+              <a:pPr/>
+              <a:t>19</a:t>
+            </a:fld>
+            <a:endParaRPr lang="ko-KR" altLang="en-US"/>
+          </a:p>
+        </p:txBody>
+      </p:sp>
+    </p:spTree>
+    <p:extLst>
+      <p:ext uri="{BB962C8B-B14F-4D97-AF65-F5344CB8AC3E}">
+        <p14:creationId xmlns:p14="http://schemas.microsoft.com/office/powerpoint/2010/main" val="1028267823"/>
+      </p:ext>
+    </p:extLst>
+  </p:cSld>
+  <p:clrMapOvr>
+    <a:masterClrMapping/>
+  </p:clrMapOvr>
+</p:notes>
+</file>
+
+<file path=ppt/notesSlides/notesSlide2.xml><?xml version="1.0" encoding="utf-8"?>
+<p:notes xmlns:a="http://schemas.openxmlformats.org/drawingml/2006/main" xmlns:r="http://schemas.openxmlformats.org/officeDocument/2006/relationships" xmlns:p="http://schemas.openxmlformats.org/presentationml/2006/main">
+  <p:cSld>
+    <p:spTree>
+      <p:nvGrpSpPr>
+        <p:cNvPr id="1" name=""/>
+        <p:cNvGrpSpPr/>
+        <p:nvPr/>
+      </p:nvGrpSpPr>
+      <p:grpSpPr>
+        <a:xfrm>
+          <a:off x="0" y="0"/>
+          <a:ext cx="0" cy="0"/>
+          <a:chOff x="0" y="0"/>
+          <a:chExt cx="0" cy="0"/>
+        </a:xfrm>
+      </p:grpSpPr>
+      <p:sp>
+        <p:nvSpPr>
+          <p:cNvPr id="2" name="슬라이드 이미지 개체 틀 1"/>
+          <p:cNvSpPr>
+            <a:spLocks noGrp="1" noRot="1" noChangeAspect="1"/>
+          </p:cNvSpPr>
+          <p:nvPr>
+            <p:ph type="sldImg"/>
+          </p:nvPr>
+        </p:nvSpPr>
+        <p:spPr/>
+      </p:sp>
+      <p:sp>
+        <p:nvSpPr>
+          <p:cNvPr id="3" name="슬라이드 노트 개체 틀 2"/>
+          <p:cNvSpPr>
+            <a:spLocks noGrp="1"/>
+          </p:cNvSpPr>
+          <p:nvPr>
+            <p:ph type="body" idx="1"/>
+          </p:nvPr>
+        </p:nvSpPr>
+        <p:spPr/>
+        <p:txBody>
+          <a:bodyPr/>
+          <a:lstStyle/>
+          <a:p>
+            <a:r>
+              <a:rPr kumimoji="1" lang="en-US" altLang="ko-KR" dirty="0" err="1" smtClean="0"/>
+              <a:t>sess</a:t>
+            </a:r>
+            <a:r>
+              <a:rPr kumimoji="1" lang="en-US" altLang="ko-KR" dirty="0" smtClean="0"/>
+              <a:t> = </a:t>
+            </a:r>
+            <a:r>
+              <a:rPr kumimoji="1" lang="en-US" altLang="ko-KR" dirty="0" err="1" smtClean="0"/>
+              <a:t>tf.Session</a:t>
+            </a:r>
+            <a:r>
+              <a:rPr kumimoji="1" lang="en-US" altLang="ko-KR" dirty="0" smtClean="0"/>
+              <a:t>()</a:t>
+            </a:r>
+          </a:p>
+          <a:p>
+            <a:r>
+              <a:rPr kumimoji="1" lang="en-US" altLang="ko-KR" dirty="0" smtClean="0"/>
+              <a:t>print ("OPEN SESSION")</a:t>
+            </a:r>
+            <a:endParaRPr kumimoji="1" lang="ko-KR" altLang="en-US" dirty="0"/>
+          </a:p>
+        </p:txBody>
+      </p:sp>
+      <p:sp>
+        <p:nvSpPr>
+          <p:cNvPr id="4" name="슬라이드 번호 개체 틀 3"/>
+          <p:cNvSpPr>
+            <a:spLocks noGrp="1"/>
+          </p:cNvSpPr>
+          <p:nvPr>
+            <p:ph type="sldNum" sz="quarter" idx="10"/>
+          </p:nvPr>
+        </p:nvSpPr>
+        <p:spPr/>
+        <p:txBody>
+          <a:bodyPr/>
+          <a:lstStyle/>
+          <a:p>
+            <a:fld id="{3C7970E3-E969-4B5B-B387-9B817F0C226C}" type="slidenum">
+              <a:rPr lang="ko-KR" altLang="en-US" smtClean="0"/>
+              <a:pPr/>
+              <a:t>3</a:t>
+            </a:fld>
+            <a:endParaRPr lang="ko-KR" altLang="en-US"/>
+          </a:p>
+        </p:txBody>
+      </p:sp>
+    </p:spTree>
+    <p:extLst>
+      <p:ext uri="{BB962C8B-B14F-4D97-AF65-F5344CB8AC3E}">
+        <p14:creationId xmlns:p14="http://schemas.microsoft.com/office/powerpoint/2010/main" val="1158240708"/>
+      </p:ext>
+    </p:extLst>
+  </p:cSld>
+  <p:clrMapOvr>
+    <a:masterClrMapping/>
+  </p:clrMapOvr>
+</p:notes>
+</file>
+
+<file path=ppt/notesSlides/notesSlide3.xml><?xml version="1.0" encoding="utf-8"?>
+<p:notes xmlns:a="http://schemas.openxmlformats.org/drawingml/2006/main" xmlns:r="http://schemas.openxmlformats.org/officeDocument/2006/relationships" xmlns:p="http://schemas.openxmlformats.org/presentationml/2006/main">
+  <p:cSld>
+    <p:spTree>
+      <p:nvGrpSpPr>
+        <p:cNvPr id="1" name=""/>
+        <p:cNvGrpSpPr/>
+        <p:nvPr/>
+      </p:nvGrpSpPr>
+      <p:grpSpPr>
+        <a:xfrm>
+          <a:off x="0" y="0"/>
+          <a:ext cx="0" cy="0"/>
+          <a:chOff x="0" y="0"/>
+          <a:chExt cx="0" cy="0"/>
+        </a:xfrm>
+      </p:grpSpPr>
+      <p:sp>
+        <p:nvSpPr>
+          <p:cNvPr id="2" name="슬라이드 이미지 개체 틀 1"/>
+          <p:cNvSpPr>
+            <a:spLocks noGrp="1" noRot="1" noChangeAspect="1"/>
+          </p:cNvSpPr>
+          <p:nvPr>
+            <p:ph type="sldImg"/>
+          </p:nvPr>
+        </p:nvSpPr>
+        <p:spPr/>
+      </p:sp>
+      <p:sp>
+        <p:nvSpPr>
+          <p:cNvPr id="3" name="슬라이드 노트 개체 틀 2"/>
+          <p:cNvSpPr>
+            <a:spLocks noGrp="1"/>
+          </p:cNvSpPr>
+          <p:nvPr>
+            <p:ph type="body" idx="1"/>
+          </p:nvPr>
+        </p:nvSpPr>
+        <p:spPr/>
+        <p:txBody>
+          <a:bodyPr/>
+          <a:lstStyle/>
+          <a:p>
+            <a:r>
+              <a:rPr kumimoji="1" lang="en-US" altLang="ko-KR" dirty="0" err="1" smtClean="0"/>
+              <a:t>def</a:t>
+            </a:r>
+            <a:r>
+              <a:rPr kumimoji="1" lang="en-US" altLang="ko-KR" dirty="0" smtClean="0"/>
+              <a:t> </a:t>
+            </a:r>
+            <a:r>
+              <a:rPr kumimoji="1" lang="en-US" altLang="ko-KR" dirty="0" err="1" smtClean="0"/>
+              <a:t>print_tf</a:t>
+            </a:r>
+            <a:r>
+              <a:rPr kumimoji="1" lang="en-US" altLang="ko-KR" dirty="0" smtClean="0"/>
+              <a:t>(x):    </a:t>
+            </a:r>
+          </a:p>
+          <a:p>
+            <a:r>
+              <a:rPr kumimoji="1" lang="en-US" altLang="ko-KR" dirty="0" smtClean="0"/>
+              <a:t>	print("TYPE IS\n %s" % (type(x)))    </a:t>
+            </a:r>
+          </a:p>
+          <a:p>
+            <a:r>
+              <a:rPr kumimoji="1" lang="en-US" altLang="ko-KR" dirty="0" smtClean="0"/>
+              <a:t>	print("VALUE IS\n %s" % (x))</a:t>
+            </a:r>
+          </a:p>
+          <a:p>
+            <a:r>
+              <a:rPr kumimoji="1" lang="en-US" altLang="ko-KR" dirty="0" smtClean="0"/>
+              <a:t>hello = </a:t>
+            </a:r>
+            <a:r>
+              <a:rPr kumimoji="1" lang="en-US" altLang="ko-KR" dirty="0" err="1" smtClean="0"/>
+              <a:t>tf.constant</a:t>
+            </a:r>
+            <a:r>
+              <a:rPr kumimoji="1" lang="en-US" altLang="ko-KR" dirty="0" smtClean="0"/>
+              <a:t>("HELLO. IT'S ME. ")</a:t>
+            </a:r>
+          </a:p>
+          <a:p>
+            <a:r>
+              <a:rPr kumimoji="1" lang="en-US" altLang="ko-KR" dirty="0" err="1" smtClean="0"/>
+              <a:t>print_tf</a:t>
+            </a:r>
+            <a:r>
+              <a:rPr kumimoji="1" lang="en-US" altLang="ko-KR" dirty="0" smtClean="0"/>
+              <a:t>(hello)</a:t>
+            </a:r>
             <a:endParaRPr kumimoji="1" lang="ko-KR" altLang="en-US" dirty="0"/>
           </a:p>
         </p:txBody>
@@ -566,7 +1864,803 @@
     </p:spTree>
     <p:extLst>
       <p:ext uri="{BB962C8B-B14F-4D97-AF65-F5344CB8AC3E}">
-        <p14:creationId xmlns:p14="http://schemas.microsoft.com/office/powerpoint/2010/main" val="1176577768"/>
+        <p14:creationId xmlns:p14="http://schemas.microsoft.com/office/powerpoint/2010/main" val="1863360552"/>
+      </p:ext>
+    </p:extLst>
+  </p:cSld>
+  <p:clrMapOvr>
+    <a:masterClrMapping/>
+  </p:clrMapOvr>
+</p:notes>
+</file>
+
+<file path=ppt/notesSlides/notesSlide4.xml><?xml version="1.0" encoding="utf-8"?>
+<p:notes xmlns:a="http://schemas.openxmlformats.org/drawingml/2006/main" xmlns:r="http://schemas.openxmlformats.org/officeDocument/2006/relationships" xmlns:p="http://schemas.openxmlformats.org/presentationml/2006/main">
+  <p:cSld>
+    <p:spTree>
+      <p:nvGrpSpPr>
+        <p:cNvPr id="1" name=""/>
+        <p:cNvGrpSpPr/>
+        <p:nvPr/>
+      </p:nvGrpSpPr>
+      <p:grpSpPr>
+        <a:xfrm>
+          <a:off x="0" y="0"/>
+          <a:ext cx="0" cy="0"/>
+          <a:chOff x="0" y="0"/>
+          <a:chExt cx="0" cy="0"/>
+        </a:xfrm>
+      </p:grpSpPr>
+      <p:sp>
+        <p:nvSpPr>
+          <p:cNvPr id="2" name="슬라이드 이미지 개체 틀 1"/>
+          <p:cNvSpPr>
+            <a:spLocks noGrp="1" noRot="1" noChangeAspect="1"/>
+          </p:cNvSpPr>
+          <p:nvPr>
+            <p:ph type="sldImg"/>
+          </p:nvPr>
+        </p:nvSpPr>
+        <p:spPr/>
+      </p:sp>
+      <p:sp>
+        <p:nvSpPr>
+          <p:cNvPr id="3" name="슬라이드 노트 개체 틀 2"/>
+          <p:cNvSpPr>
+            <a:spLocks noGrp="1"/>
+          </p:cNvSpPr>
+          <p:nvPr>
+            <p:ph type="body" idx="1"/>
+          </p:nvPr>
+        </p:nvSpPr>
+        <p:spPr/>
+        <p:txBody>
+          <a:bodyPr/>
+          <a:lstStyle/>
+          <a:p>
+            <a:r>
+              <a:rPr kumimoji="1" lang="en-US" altLang="ko-KR" dirty="0" err="1" smtClean="0"/>
+              <a:t>hello_out</a:t>
+            </a:r>
+            <a:r>
+              <a:rPr kumimoji="1" lang="en-US" altLang="ko-KR" dirty="0" smtClean="0"/>
+              <a:t> = </a:t>
+            </a:r>
+            <a:r>
+              <a:rPr kumimoji="1" lang="en-US" altLang="ko-KR" dirty="0" err="1" smtClean="0"/>
+              <a:t>sess.run</a:t>
+            </a:r>
+            <a:r>
+              <a:rPr kumimoji="1" lang="en-US" altLang="ko-KR" dirty="0" smtClean="0"/>
+              <a:t>(hello)</a:t>
+            </a:r>
+          </a:p>
+          <a:p>
+            <a:r>
+              <a:rPr kumimoji="1" lang="en-US" altLang="ko-KR" dirty="0" err="1" smtClean="0"/>
+              <a:t>print_tf</a:t>
+            </a:r>
+            <a:r>
+              <a:rPr kumimoji="1" lang="en-US" altLang="ko-KR" dirty="0" smtClean="0"/>
+              <a:t>(</a:t>
+            </a:r>
+            <a:r>
+              <a:rPr kumimoji="1" lang="en-US" altLang="ko-KR" dirty="0" err="1" smtClean="0"/>
+              <a:t>hello_out</a:t>
+            </a:r>
+            <a:r>
+              <a:rPr kumimoji="1" lang="en-US" altLang="ko-KR" dirty="0" smtClean="0"/>
+              <a:t>)</a:t>
+            </a:r>
+            <a:endParaRPr kumimoji="1" lang="ko-KR" altLang="en-US" dirty="0"/>
+          </a:p>
+        </p:txBody>
+      </p:sp>
+      <p:sp>
+        <p:nvSpPr>
+          <p:cNvPr id="4" name="슬라이드 번호 개체 틀 3"/>
+          <p:cNvSpPr>
+            <a:spLocks noGrp="1"/>
+          </p:cNvSpPr>
+          <p:nvPr>
+            <p:ph type="sldNum" sz="quarter" idx="10"/>
+          </p:nvPr>
+        </p:nvSpPr>
+        <p:spPr/>
+        <p:txBody>
+          <a:bodyPr/>
+          <a:lstStyle/>
+          <a:p>
+            <a:fld id="{3C7970E3-E969-4B5B-B387-9B817F0C226C}" type="slidenum">
+              <a:rPr lang="ko-KR" altLang="en-US" smtClean="0"/>
+              <a:pPr/>
+              <a:t>5</a:t>
+            </a:fld>
+            <a:endParaRPr lang="ko-KR" altLang="en-US"/>
+          </a:p>
+        </p:txBody>
+      </p:sp>
+    </p:spTree>
+    <p:extLst>
+      <p:ext uri="{BB962C8B-B14F-4D97-AF65-F5344CB8AC3E}">
+        <p14:creationId xmlns:p14="http://schemas.microsoft.com/office/powerpoint/2010/main" val="895457644"/>
+      </p:ext>
+    </p:extLst>
+  </p:cSld>
+  <p:clrMapOvr>
+    <a:masterClrMapping/>
+  </p:clrMapOvr>
+</p:notes>
+</file>
+
+<file path=ppt/notesSlides/notesSlide5.xml><?xml version="1.0" encoding="utf-8"?>
+<p:notes xmlns:a="http://schemas.openxmlformats.org/drawingml/2006/main" xmlns:r="http://schemas.openxmlformats.org/officeDocument/2006/relationships" xmlns:p="http://schemas.openxmlformats.org/presentationml/2006/main">
+  <p:cSld>
+    <p:spTree>
+      <p:nvGrpSpPr>
+        <p:cNvPr id="1" name=""/>
+        <p:cNvGrpSpPr/>
+        <p:nvPr/>
+      </p:nvGrpSpPr>
+      <p:grpSpPr>
+        <a:xfrm>
+          <a:off x="0" y="0"/>
+          <a:ext cx="0" cy="0"/>
+          <a:chOff x="0" y="0"/>
+          <a:chExt cx="0" cy="0"/>
+        </a:xfrm>
+      </p:grpSpPr>
+      <p:sp>
+        <p:nvSpPr>
+          <p:cNvPr id="2" name="슬라이드 이미지 개체 틀 1"/>
+          <p:cNvSpPr>
+            <a:spLocks noGrp="1" noRot="1" noChangeAspect="1"/>
+          </p:cNvSpPr>
+          <p:nvPr>
+            <p:ph type="sldImg"/>
+          </p:nvPr>
+        </p:nvSpPr>
+        <p:spPr/>
+      </p:sp>
+      <p:sp>
+        <p:nvSpPr>
+          <p:cNvPr id="3" name="슬라이드 노트 개체 틀 2"/>
+          <p:cNvSpPr>
+            <a:spLocks noGrp="1"/>
+          </p:cNvSpPr>
+          <p:nvPr>
+            <p:ph type="body" idx="1"/>
+          </p:nvPr>
+        </p:nvSpPr>
+        <p:spPr/>
+        <p:txBody>
+          <a:bodyPr/>
+          <a:lstStyle/>
+          <a:p>
+            <a:r>
+              <a:rPr kumimoji="1" lang="en-US" altLang="ko-KR" dirty="0" smtClean="0"/>
+              <a:t>a = </a:t>
+            </a:r>
+            <a:r>
+              <a:rPr kumimoji="1" lang="en-US" altLang="ko-KR" dirty="0" err="1" smtClean="0"/>
+              <a:t>tf.constant</a:t>
+            </a:r>
+            <a:r>
+              <a:rPr kumimoji="1" lang="en-US" altLang="ko-KR" dirty="0" smtClean="0"/>
+              <a:t>(1.5)</a:t>
+            </a:r>
+          </a:p>
+          <a:p>
+            <a:r>
+              <a:rPr kumimoji="1" lang="en-US" altLang="ko-KR" dirty="0" smtClean="0"/>
+              <a:t>b = </a:t>
+            </a:r>
+            <a:r>
+              <a:rPr kumimoji="1" lang="en-US" altLang="ko-KR" dirty="0" err="1" smtClean="0"/>
+              <a:t>tf.constant</a:t>
+            </a:r>
+            <a:r>
+              <a:rPr kumimoji="1" lang="en-US" altLang="ko-KR" dirty="0" smtClean="0"/>
+              <a:t>(2.5)</a:t>
+            </a:r>
+          </a:p>
+          <a:p>
+            <a:r>
+              <a:rPr kumimoji="1" lang="en-US" altLang="ko-KR" dirty="0" err="1" smtClean="0"/>
+              <a:t>print_tf</a:t>
+            </a:r>
+            <a:r>
+              <a:rPr kumimoji="1" lang="en-US" altLang="ko-KR" dirty="0" smtClean="0"/>
+              <a:t>(a)</a:t>
+            </a:r>
+          </a:p>
+          <a:p>
+            <a:r>
+              <a:rPr kumimoji="1" lang="en-US" altLang="ko-KR" dirty="0" err="1" smtClean="0"/>
+              <a:t>print_tf</a:t>
+            </a:r>
+            <a:r>
+              <a:rPr kumimoji="1" lang="en-US" altLang="ko-KR" dirty="0" smtClean="0"/>
+              <a:t>(b)</a:t>
+            </a:r>
+            <a:endParaRPr kumimoji="1" lang="ko-KR" altLang="en-US" dirty="0"/>
+          </a:p>
+        </p:txBody>
+      </p:sp>
+      <p:sp>
+        <p:nvSpPr>
+          <p:cNvPr id="4" name="슬라이드 번호 개체 틀 3"/>
+          <p:cNvSpPr>
+            <a:spLocks noGrp="1"/>
+          </p:cNvSpPr>
+          <p:nvPr>
+            <p:ph type="sldNum" sz="quarter" idx="10"/>
+          </p:nvPr>
+        </p:nvSpPr>
+        <p:spPr/>
+        <p:txBody>
+          <a:bodyPr/>
+          <a:lstStyle/>
+          <a:p>
+            <a:fld id="{3C7970E3-E969-4B5B-B387-9B817F0C226C}" type="slidenum">
+              <a:rPr lang="ko-KR" altLang="en-US" smtClean="0"/>
+              <a:pPr/>
+              <a:t>6</a:t>
+            </a:fld>
+            <a:endParaRPr lang="ko-KR" altLang="en-US"/>
+          </a:p>
+        </p:txBody>
+      </p:sp>
+    </p:spTree>
+    <p:extLst>
+      <p:ext uri="{BB962C8B-B14F-4D97-AF65-F5344CB8AC3E}">
+        <p14:creationId xmlns:p14="http://schemas.microsoft.com/office/powerpoint/2010/main" val="1863265857"/>
+      </p:ext>
+    </p:extLst>
+  </p:cSld>
+  <p:clrMapOvr>
+    <a:masterClrMapping/>
+  </p:clrMapOvr>
+</p:notes>
+</file>
+
+<file path=ppt/notesSlides/notesSlide6.xml><?xml version="1.0" encoding="utf-8"?>
+<p:notes xmlns:a="http://schemas.openxmlformats.org/drawingml/2006/main" xmlns:r="http://schemas.openxmlformats.org/officeDocument/2006/relationships" xmlns:p="http://schemas.openxmlformats.org/presentationml/2006/main">
+  <p:cSld>
+    <p:spTree>
+      <p:nvGrpSpPr>
+        <p:cNvPr id="1" name=""/>
+        <p:cNvGrpSpPr/>
+        <p:nvPr/>
+      </p:nvGrpSpPr>
+      <p:grpSpPr>
+        <a:xfrm>
+          <a:off x="0" y="0"/>
+          <a:ext cx="0" cy="0"/>
+          <a:chOff x="0" y="0"/>
+          <a:chExt cx="0" cy="0"/>
+        </a:xfrm>
+      </p:grpSpPr>
+      <p:sp>
+        <p:nvSpPr>
+          <p:cNvPr id="2" name="슬라이드 이미지 개체 틀 1"/>
+          <p:cNvSpPr>
+            <a:spLocks noGrp="1" noRot="1" noChangeAspect="1"/>
+          </p:cNvSpPr>
+          <p:nvPr>
+            <p:ph type="sldImg"/>
+          </p:nvPr>
+        </p:nvSpPr>
+        <p:spPr/>
+      </p:sp>
+      <p:sp>
+        <p:nvSpPr>
+          <p:cNvPr id="3" name="슬라이드 노트 개체 틀 2"/>
+          <p:cNvSpPr>
+            <a:spLocks noGrp="1"/>
+          </p:cNvSpPr>
+          <p:nvPr>
+            <p:ph type="body" idx="1"/>
+          </p:nvPr>
+        </p:nvSpPr>
+        <p:spPr/>
+        <p:txBody>
+          <a:bodyPr/>
+          <a:lstStyle/>
+          <a:p>
+            <a:r>
+              <a:rPr kumimoji="1" lang="en-US" altLang="ko-KR" dirty="0" err="1" smtClean="0"/>
+              <a:t>a_out</a:t>
+            </a:r>
+            <a:r>
+              <a:rPr kumimoji="1" lang="en-US" altLang="ko-KR" dirty="0" smtClean="0"/>
+              <a:t> = </a:t>
+            </a:r>
+            <a:r>
+              <a:rPr kumimoji="1" lang="en-US" altLang="ko-KR" dirty="0" err="1" smtClean="0"/>
+              <a:t>sess.run</a:t>
+            </a:r>
+            <a:r>
+              <a:rPr kumimoji="1" lang="en-US" altLang="ko-KR" dirty="0" smtClean="0"/>
+              <a:t>(a)</a:t>
+            </a:r>
+          </a:p>
+          <a:p>
+            <a:r>
+              <a:rPr kumimoji="1" lang="en-US" altLang="ko-KR" dirty="0" err="1" smtClean="0"/>
+              <a:t>b_out</a:t>
+            </a:r>
+            <a:r>
+              <a:rPr kumimoji="1" lang="en-US" altLang="ko-KR" dirty="0" smtClean="0"/>
+              <a:t> = </a:t>
+            </a:r>
+            <a:r>
+              <a:rPr kumimoji="1" lang="en-US" altLang="ko-KR" dirty="0" err="1" smtClean="0"/>
+              <a:t>sess.run</a:t>
+            </a:r>
+            <a:r>
+              <a:rPr kumimoji="1" lang="en-US" altLang="ko-KR" dirty="0" smtClean="0"/>
+              <a:t>(b)</a:t>
+            </a:r>
+          </a:p>
+          <a:p>
+            <a:r>
+              <a:rPr kumimoji="1" lang="en-US" altLang="ko-KR" dirty="0" err="1" smtClean="0"/>
+              <a:t>print_tf</a:t>
+            </a:r>
+            <a:r>
+              <a:rPr kumimoji="1" lang="en-US" altLang="ko-KR" dirty="0" smtClean="0"/>
+              <a:t>(</a:t>
+            </a:r>
+            <a:r>
+              <a:rPr kumimoji="1" lang="en-US" altLang="ko-KR" dirty="0" err="1" smtClean="0"/>
+              <a:t>a_out</a:t>
+            </a:r>
+            <a:r>
+              <a:rPr kumimoji="1" lang="en-US" altLang="ko-KR" dirty="0" smtClean="0"/>
+              <a:t>)</a:t>
+            </a:r>
+          </a:p>
+          <a:p>
+            <a:r>
+              <a:rPr kumimoji="1" lang="en-US" altLang="ko-KR" dirty="0" err="1" smtClean="0"/>
+              <a:t>print_tf</a:t>
+            </a:r>
+            <a:r>
+              <a:rPr kumimoji="1" lang="en-US" altLang="ko-KR" dirty="0" smtClean="0"/>
+              <a:t>(</a:t>
+            </a:r>
+            <a:r>
+              <a:rPr kumimoji="1" lang="en-US" altLang="ko-KR" dirty="0" err="1" smtClean="0"/>
+              <a:t>b_out</a:t>
+            </a:r>
+            <a:r>
+              <a:rPr kumimoji="1" lang="en-US" altLang="ko-KR" dirty="0" smtClean="0"/>
+              <a:t>)</a:t>
+            </a:r>
+            <a:endParaRPr kumimoji="1" lang="ko-KR" altLang="en-US" dirty="0"/>
+          </a:p>
+        </p:txBody>
+      </p:sp>
+      <p:sp>
+        <p:nvSpPr>
+          <p:cNvPr id="4" name="슬라이드 번호 개체 틀 3"/>
+          <p:cNvSpPr>
+            <a:spLocks noGrp="1"/>
+          </p:cNvSpPr>
+          <p:nvPr>
+            <p:ph type="sldNum" sz="quarter" idx="10"/>
+          </p:nvPr>
+        </p:nvSpPr>
+        <p:spPr/>
+        <p:txBody>
+          <a:bodyPr/>
+          <a:lstStyle/>
+          <a:p>
+            <a:fld id="{3C7970E3-E969-4B5B-B387-9B817F0C226C}" type="slidenum">
+              <a:rPr lang="ko-KR" altLang="en-US" smtClean="0"/>
+              <a:pPr/>
+              <a:t>7</a:t>
+            </a:fld>
+            <a:endParaRPr lang="ko-KR" altLang="en-US"/>
+          </a:p>
+        </p:txBody>
+      </p:sp>
+    </p:spTree>
+    <p:extLst>
+      <p:ext uri="{BB962C8B-B14F-4D97-AF65-F5344CB8AC3E}">
+        <p14:creationId xmlns:p14="http://schemas.microsoft.com/office/powerpoint/2010/main" val="1671118058"/>
+      </p:ext>
+    </p:extLst>
+  </p:cSld>
+  <p:clrMapOvr>
+    <a:masterClrMapping/>
+  </p:clrMapOvr>
+</p:notes>
+</file>
+
+<file path=ppt/notesSlides/notesSlide7.xml><?xml version="1.0" encoding="utf-8"?>
+<p:notes xmlns:a="http://schemas.openxmlformats.org/drawingml/2006/main" xmlns:r="http://schemas.openxmlformats.org/officeDocument/2006/relationships" xmlns:p="http://schemas.openxmlformats.org/presentationml/2006/main">
+  <p:cSld>
+    <p:spTree>
+      <p:nvGrpSpPr>
+        <p:cNvPr id="1" name=""/>
+        <p:cNvGrpSpPr/>
+        <p:nvPr/>
+      </p:nvGrpSpPr>
+      <p:grpSpPr>
+        <a:xfrm>
+          <a:off x="0" y="0"/>
+          <a:ext cx="0" cy="0"/>
+          <a:chOff x="0" y="0"/>
+          <a:chExt cx="0" cy="0"/>
+        </a:xfrm>
+      </p:grpSpPr>
+      <p:sp>
+        <p:nvSpPr>
+          <p:cNvPr id="2" name="슬라이드 이미지 개체 틀 1"/>
+          <p:cNvSpPr>
+            <a:spLocks noGrp="1" noRot="1" noChangeAspect="1"/>
+          </p:cNvSpPr>
+          <p:nvPr>
+            <p:ph type="sldImg"/>
+          </p:nvPr>
+        </p:nvSpPr>
+        <p:spPr/>
+      </p:sp>
+      <p:sp>
+        <p:nvSpPr>
+          <p:cNvPr id="3" name="슬라이드 노트 개체 틀 2"/>
+          <p:cNvSpPr>
+            <a:spLocks noGrp="1"/>
+          </p:cNvSpPr>
+          <p:nvPr>
+            <p:ph type="body" idx="1"/>
+          </p:nvPr>
+        </p:nvSpPr>
+        <p:spPr/>
+        <p:txBody>
+          <a:bodyPr/>
+          <a:lstStyle/>
+          <a:p>
+            <a:r>
+              <a:rPr kumimoji="1" lang="en-US" altLang="ko-KR" dirty="0" err="1" smtClean="0"/>
+              <a:t>a_plus_b</a:t>
+            </a:r>
+            <a:r>
+              <a:rPr kumimoji="1" lang="en-US" altLang="ko-KR" dirty="0" smtClean="0"/>
+              <a:t> = </a:t>
+            </a:r>
+            <a:r>
+              <a:rPr kumimoji="1" lang="en-US" altLang="ko-KR" dirty="0" err="1" smtClean="0"/>
+              <a:t>tf.add</a:t>
+            </a:r>
+            <a:r>
+              <a:rPr kumimoji="1" lang="en-US" altLang="ko-KR" dirty="0" smtClean="0"/>
+              <a:t>(a, b)</a:t>
+            </a:r>
+          </a:p>
+          <a:p>
+            <a:r>
+              <a:rPr kumimoji="1" lang="en-US" altLang="ko-KR" dirty="0" err="1" smtClean="0"/>
+              <a:t>print_tf</a:t>
+            </a:r>
+            <a:r>
+              <a:rPr kumimoji="1" lang="en-US" altLang="ko-KR" dirty="0" smtClean="0"/>
+              <a:t>(</a:t>
+            </a:r>
+            <a:r>
+              <a:rPr kumimoji="1" lang="en-US" altLang="ko-KR" dirty="0" err="1" smtClean="0"/>
+              <a:t>a_plus_b</a:t>
+            </a:r>
+            <a:r>
+              <a:rPr kumimoji="1" lang="en-US" altLang="ko-KR" dirty="0" smtClean="0"/>
+              <a:t>)</a:t>
+            </a:r>
+            <a:endParaRPr kumimoji="1" lang="ko-KR" altLang="en-US" dirty="0"/>
+          </a:p>
+        </p:txBody>
+      </p:sp>
+      <p:sp>
+        <p:nvSpPr>
+          <p:cNvPr id="4" name="슬라이드 번호 개체 틀 3"/>
+          <p:cNvSpPr>
+            <a:spLocks noGrp="1"/>
+          </p:cNvSpPr>
+          <p:nvPr>
+            <p:ph type="sldNum" sz="quarter" idx="10"/>
+          </p:nvPr>
+        </p:nvSpPr>
+        <p:spPr/>
+        <p:txBody>
+          <a:bodyPr/>
+          <a:lstStyle/>
+          <a:p>
+            <a:fld id="{3C7970E3-E969-4B5B-B387-9B817F0C226C}" type="slidenum">
+              <a:rPr lang="ko-KR" altLang="en-US" smtClean="0"/>
+              <a:pPr/>
+              <a:t>8</a:t>
+            </a:fld>
+            <a:endParaRPr lang="ko-KR" altLang="en-US"/>
+          </a:p>
+        </p:txBody>
+      </p:sp>
+    </p:spTree>
+    <p:extLst>
+      <p:ext uri="{BB962C8B-B14F-4D97-AF65-F5344CB8AC3E}">
+        <p14:creationId xmlns:p14="http://schemas.microsoft.com/office/powerpoint/2010/main" val="195489603"/>
+      </p:ext>
+    </p:extLst>
+  </p:cSld>
+  <p:clrMapOvr>
+    <a:masterClrMapping/>
+  </p:clrMapOvr>
+</p:notes>
+</file>
+
+<file path=ppt/notesSlides/notesSlide8.xml><?xml version="1.0" encoding="utf-8"?>
+<p:notes xmlns:a="http://schemas.openxmlformats.org/drawingml/2006/main" xmlns:r="http://schemas.openxmlformats.org/officeDocument/2006/relationships" xmlns:p="http://schemas.openxmlformats.org/presentationml/2006/main">
+  <p:cSld>
+    <p:spTree>
+      <p:nvGrpSpPr>
+        <p:cNvPr id="1" name=""/>
+        <p:cNvGrpSpPr/>
+        <p:nvPr/>
+      </p:nvGrpSpPr>
+      <p:grpSpPr>
+        <a:xfrm>
+          <a:off x="0" y="0"/>
+          <a:ext cx="0" cy="0"/>
+          <a:chOff x="0" y="0"/>
+          <a:chExt cx="0" cy="0"/>
+        </a:xfrm>
+      </p:grpSpPr>
+      <p:sp>
+        <p:nvSpPr>
+          <p:cNvPr id="2" name="슬라이드 이미지 개체 틀 1"/>
+          <p:cNvSpPr>
+            <a:spLocks noGrp="1" noRot="1" noChangeAspect="1"/>
+          </p:cNvSpPr>
+          <p:nvPr>
+            <p:ph type="sldImg"/>
+          </p:nvPr>
+        </p:nvSpPr>
+        <p:spPr/>
+      </p:sp>
+      <p:sp>
+        <p:nvSpPr>
+          <p:cNvPr id="3" name="슬라이드 노트 개체 틀 2"/>
+          <p:cNvSpPr>
+            <a:spLocks noGrp="1"/>
+          </p:cNvSpPr>
+          <p:nvPr>
+            <p:ph type="body" idx="1"/>
+          </p:nvPr>
+        </p:nvSpPr>
+        <p:spPr/>
+        <p:txBody>
+          <a:bodyPr/>
+          <a:lstStyle/>
+          <a:p>
+            <a:r>
+              <a:rPr kumimoji="1" lang="en-US" altLang="ko-KR" dirty="0" err="1" smtClean="0"/>
+              <a:t>a_plus_b_out</a:t>
+            </a:r>
+            <a:r>
+              <a:rPr kumimoji="1" lang="en-US" altLang="ko-KR" dirty="0" smtClean="0"/>
+              <a:t> = </a:t>
+            </a:r>
+            <a:r>
+              <a:rPr kumimoji="1" lang="en-US" altLang="ko-KR" dirty="0" err="1" smtClean="0"/>
+              <a:t>sess.run</a:t>
+            </a:r>
+            <a:r>
+              <a:rPr kumimoji="1" lang="en-US" altLang="ko-KR" dirty="0" smtClean="0"/>
+              <a:t>(</a:t>
+            </a:r>
+            <a:r>
+              <a:rPr kumimoji="1" lang="en-US" altLang="ko-KR" dirty="0" err="1" smtClean="0"/>
+              <a:t>a_plus_b</a:t>
+            </a:r>
+            <a:r>
+              <a:rPr kumimoji="1" lang="en-US" altLang="ko-KR" dirty="0" smtClean="0"/>
+              <a:t>)</a:t>
+            </a:r>
+          </a:p>
+          <a:p>
+            <a:r>
+              <a:rPr kumimoji="1" lang="en-US" altLang="ko-KR" dirty="0" err="1" smtClean="0"/>
+              <a:t>print_tf</a:t>
+            </a:r>
+            <a:r>
+              <a:rPr kumimoji="1" lang="en-US" altLang="ko-KR" dirty="0" smtClean="0"/>
+              <a:t>(</a:t>
+            </a:r>
+            <a:r>
+              <a:rPr kumimoji="1" lang="en-US" altLang="ko-KR" dirty="0" err="1" smtClean="0"/>
+              <a:t>a_plus_b_out</a:t>
+            </a:r>
+            <a:r>
+              <a:rPr kumimoji="1" lang="en-US" altLang="ko-KR" dirty="0" smtClean="0"/>
+              <a:t>)</a:t>
+            </a:r>
+            <a:endParaRPr kumimoji="1" lang="ko-KR" altLang="en-US" dirty="0"/>
+          </a:p>
+        </p:txBody>
+      </p:sp>
+      <p:sp>
+        <p:nvSpPr>
+          <p:cNvPr id="4" name="슬라이드 번호 개체 틀 3"/>
+          <p:cNvSpPr>
+            <a:spLocks noGrp="1"/>
+          </p:cNvSpPr>
+          <p:nvPr>
+            <p:ph type="sldNum" sz="quarter" idx="10"/>
+          </p:nvPr>
+        </p:nvSpPr>
+        <p:spPr/>
+        <p:txBody>
+          <a:bodyPr/>
+          <a:lstStyle/>
+          <a:p>
+            <a:fld id="{3C7970E3-E969-4B5B-B387-9B817F0C226C}" type="slidenum">
+              <a:rPr lang="ko-KR" altLang="en-US" smtClean="0"/>
+              <a:pPr/>
+              <a:t>9</a:t>
+            </a:fld>
+            <a:endParaRPr lang="ko-KR" altLang="en-US"/>
+          </a:p>
+        </p:txBody>
+      </p:sp>
+    </p:spTree>
+    <p:extLst>
+      <p:ext uri="{BB962C8B-B14F-4D97-AF65-F5344CB8AC3E}">
+        <p14:creationId xmlns:p14="http://schemas.microsoft.com/office/powerpoint/2010/main" val="989118371"/>
+      </p:ext>
+    </p:extLst>
+  </p:cSld>
+  <p:clrMapOvr>
+    <a:masterClrMapping/>
+  </p:clrMapOvr>
+</p:notes>
+</file>
+
+<file path=ppt/notesSlides/notesSlide9.xml><?xml version="1.0" encoding="utf-8"?>
+<p:notes xmlns:a="http://schemas.openxmlformats.org/drawingml/2006/main" xmlns:r="http://schemas.openxmlformats.org/officeDocument/2006/relationships" xmlns:p="http://schemas.openxmlformats.org/presentationml/2006/main">
+  <p:cSld>
+    <p:spTree>
+      <p:nvGrpSpPr>
+        <p:cNvPr id="1" name=""/>
+        <p:cNvGrpSpPr/>
+        <p:nvPr/>
+      </p:nvGrpSpPr>
+      <p:grpSpPr>
+        <a:xfrm>
+          <a:off x="0" y="0"/>
+          <a:ext cx="0" cy="0"/>
+          <a:chOff x="0" y="0"/>
+          <a:chExt cx="0" cy="0"/>
+        </a:xfrm>
+      </p:grpSpPr>
+      <p:sp>
+        <p:nvSpPr>
+          <p:cNvPr id="2" name="슬라이드 이미지 개체 틀 1"/>
+          <p:cNvSpPr>
+            <a:spLocks noGrp="1" noRot="1" noChangeAspect="1"/>
+          </p:cNvSpPr>
+          <p:nvPr>
+            <p:ph type="sldImg"/>
+          </p:nvPr>
+        </p:nvSpPr>
+        <p:spPr/>
+      </p:sp>
+      <p:sp>
+        <p:nvSpPr>
+          <p:cNvPr id="3" name="슬라이드 노트 개체 틀 2"/>
+          <p:cNvSpPr>
+            <a:spLocks noGrp="1"/>
+          </p:cNvSpPr>
+          <p:nvPr>
+            <p:ph type="body" idx="1"/>
+          </p:nvPr>
+        </p:nvSpPr>
+        <p:spPr/>
+        <p:txBody>
+          <a:bodyPr/>
+          <a:lstStyle/>
+          <a:p>
+            <a:r>
+              <a:rPr kumimoji="1" lang="en-US" altLang="ko-KR" dirty="0" err="1" smtClean="0"/>
+              <a:t>a_mul_b</a:t>
+            </a:r>
+            <a:r>
+              <a:rPr kumimoji="1" lang="en-US" altLang="ko-KR" dirty="0" smtClean="0"/>
+              <a:t> = </a:t>
+            </a:r>
+            <a:r>
+              <a:rPr kumimoji="1" lang="en-US" altLang="ko-KR" dirty="0" err="1" smtClean="0"/>
+              <a:t>tf.mul</a:t>
+            </a:r>
+            <a:r>
+              <a:rPr kumimoji="1" lang="en-US" altLang="ko-KR" dirty="0" smtClean="0"/>
+              <a:t>(a, b)</a:t>
+            </a:r>
+          </a:p>
+          <a:p>
+            <a:r>
+              <a:rPr kumimoji="1" lang="en-US" altLang="ko-KR" dirty="0" err="1" smtClean="0"/>
+              <a:t>a_mul_b_out</a:t>
+            </a:r>
+            <a:r>
+              <a:rPr kumimoji="1" lang="en-US" altLang="ko-KR" dirty="0" smtClean="0"/>
+              <a:t> = </a:t>
+            </a:r>
+            <a:r>
+              <a:rPr kumimoji="1" lang="en-US" altLang="ko-KR" dirty="0" err="1" smtClean="0"/>
+              <a:t>sess.run</a:t>
+            </a:r>
+            <a:r>
+              <a:rPr kumimoji="1" lang="en-US" altLang="ko-KR" dirty="0" smtClean="0"/>
+              <a:t>(</a:t>
+            </a:r>
+            <a:r>
+              <a:rPr kumimoji="1" lang="en-US" altLang="ko-KR" dirty="0" err="1" smtClean="0"/>
+              <a:t>a_mul_b</a:t>
+            </a:r>
+            <a:r>
+              <a:rPr kumimoji="1" lang="en-US" altLang="ko-KR" dirty="0" smtClean="0"/>
+              <a:t>)</a:t>
+            </a:r>
+          </a:p>
+          <a:p>
+            <a:r>
+              <a:rPr kumimoji="1" lang="en-US" altLang="ko-KR" dirty="0" err="1" smtClean="0"/>
+              <a:t>print_tf</a:t>
+            </a:r>
+            <a:r>
+              <a:rPr kumimoji="1" lang="en-US" altLang="ko-KR" dirty="0" smtClean="0"/>
+              <a:t>(</a:t>
+            </a:r>
+            <a:r>
+              <a:rPr kumimoji="1" lang="en-US" altLang="ko-KR" dirty="0" err="1" smtClean="0"/>
+              <a:t>a_mul_b_out</a:t>
+            </a:r>
+            <a:r>
+              <a:rPr kumimoji="1" lang="en-US" altLang="ko-KR" dirty="0" smtClean="0"/>
+              <a:t>)</a:t>
+            </a:r>
+            <a:endParaRPr kumimoji="1" lang="ko-KR" altLang="en-US" dirty="0"/>
+          </a:p>
+        </p:txBody>
+      </p:sp>
+      <p:sp>
+        <p:nvSpPr>
+          <p:cNvPr id="4" name="슬라이드 번호 개체 틀 3"/>
+          <p:cNvSpPr>
+            <a:spLocks noGrp="1"/>
+          </p:cNvSpPr>
+          <p:nvPr>
+            <p:ph type="sldNum" sz="quarter" idx="10"/>
+          </p:nvPr>
+        </p:nvSpPr>
+        <p:spPr/>
+        <p:txBody>
+          <a:bodyPr/>
+          <a:lstStyle/>
+          <a:p>
+            <a:fld id="{3C7970E3-E969-4B5B-B387-9B817F0C226C}" type="slidenum">
+              <a:rPr lang="ko-KR" altLang="en-US" smtClean="0"/>
+              <a:pPr/>
+              <a:t>10</a:t>
+            </a:fld>
+            <a:endParaRPr lang="ko-KR" altLang="en-US"/>
+          </a:p>
+        </p:txBody>
+      </p:sp>
+    </p:spTree>
+    <p:extLst>
+      <p:ext uri="{BB962C8B-B14F-4D97-AF65-F5344CB8AC3E}">
+        <p14:creationId xmlns:p14="http://schemas.microsoft.com/office/powerpoint/2010/main" val="877207148"/>
       </p:ext>
     </p:extLst>
   </p:cSld>
@@ -685,7 +2779,7 @@
                 <a:ea typeface="Meiryo UI" pitchFamily="34" charset="-128"/>
               </a:rPr>
               <a:pPr/>
-              <a:t>Sunday, September 25, 2016</a:t>
+              <a:t>Thursday, October 20, 2016</a:t>
             </a:fld>
             <a:endParaRPr lang="ko-KR" altLang="en-US" dirty="0"/>
           </a:p>
@@ -817,7 +2911,7 @@
             <a:fld id="{33A0F7CB-10CC-4FA0-AAB7-60557755851D}" type="datetime1">
               <a:rPr lang="ko-KR" altLang="en-US" smtClean="0"/>
               <a:pPr/>
-              <a:t>2016. 9. 25.</a:t>
+              <a:t>2016. 10. 20.</a:t>
             </a:fld>
             <a:endParaRPr lang="ko-KR" altLang="en-US"/>
           </a:p>
@@ -994,7 +3088,7 @@
             <a:fld id="{2072E3B2-398D-43A2-9FF0-A5DC47D85F0F}" type="datetime1">
               <a:rPr lang="ko-KR" altLang="en-US" smtClean="0"/>
               <a:pPr/>
-              <a:t>2016. 9. 25.</a:t>
+              <a:t>2016. 10. 20.</a:t>
             </a:fld>
             <a:endParaRPr lang="ko-KR" altLang="en-US"/>
           </a:p>
@@ -1508,7 +3602,7 @@
             <a:fld id="{DAC76C8D-0C64-468D-9E07-BA112BE10A5A}" type="datetime1">
               <a:rPr lang="ko-KR" altLang="en-US" smtClean="0"/>
               <a:pPr/>
-              <a:t>2016. 9. 25.</a:t>
+              <a:t>2016. 10. 20.</a:t>
             </a:fld>
             <a:endParaRPr lang="ko-KR" altLang="en-US"/>
           </a:p>
@@ -1798,7 +3892,7 @@
             <a:fld id="{ABCA1450-90AE-4591-9DA4-2F2C0E29B421}" type="datetime1">
               <a:rPr lang="ko-KR" altLang="en-US" smtClean="0"/>
               <a:pPr/>
-              <a:t>2016. 9. 25.</a:t>
+              <a:t>2016. 10. 20.</a:t>
             </a:fld>
             <a:endParaRPr lang="ko-KR" altLang="en-US"/>
           </a:p>
@@ -2224,7 +4318,7 @@
             <a:fld id="{3170F9C2-910D-48E9-A1D4-06EE9E8CCF11}" type="datetime1">
               <a:rPr lang="ko-KR" altLang="en-US" smtClean="0"/>
               <a:pPr/>
-              <a:t>2016. 9. 25.</a:t>
+              <a:t>2016. 10. 20.</a:t>
             </a:fld>
             <a:endParaRPr lang="ko-KR" altLang="en-US"/>
           </a:p>
@@ -2511,7 +4605,7 @@
             <a:fld id="{0A2BF0E3-3B49-48EE-8E65-6F6B7B05A3E6}" type="datetime1">
               <a:rPr lang="ko-KR" altLang="en-US" smtClean="0"/>
               <a:pPr/>
-              <a:t>2016. 9. 25.</a:t>
+              <a:t>2016. 10. 20.</a:t>
             </a:fld>
             <a:endParaRPr lang="ko-KR" altLang="en-US"/>
           </a:p>
@@ -2785,7 +4879,7 @@
             <a:fld id="{D56EDD30-A8D5-4E8F-A388-D7F8914E7797}" type="datetime1">
               <a:rPr lang="ko-KR" altLang="en-US" smtClean="0"/>
               <a:pPr/>
-              <a:t>2016. 9. 25.</a:t>
+              <a:t>2016. 10. 20.</a:t>
             </a:fld>
             <a:endParaRPr lang="ko-KR" altLang="en-US"/>
           </a:p>
@@ -3035,7 +5129,7 @@
             <a:fld id="{BA001FBA-5EDF-4611-9FD5-552C72983771}" type="datetime1">
               <a:rPr lang="ko-KR" altLang="en-US" smtClean="0"/>
               <a:pPr/>
-              <a:t>2016. 9. 25.</a:t>
+              <a:t>2016. 10. 20.</a:t>
             </a:fld>
             <a:endParaRPr lang="ko-KR" altLang="en-US"/>
           </a:p>
@@ -3245,7 +5339,7 @@
             <a:fld id="{1E3DD4C6-1DC2-4462-9A2C-36CF4FD257E7}" type="datetime1">
               <a:rPr lang="ko-KR" altLang="en-US" smtClean="0"/>
               <a:pPr/>
-              <a:t>2016. 9. 25.</a:t>
+              <a:t>2016. 10. 20.</a:t>
             </a:fld>
             <a:endParaRPr lang="ko-KR" altLang="en-US"/>
           </a:p>
@@ -3753,60 +5847,58 @@
           <a:chExt cx="0" cy="0"/>
         </a:xfrm>
       </p:grpSpPr>
+      <p:sp>
+        <p:nvSpPr>
+          <p:cNvPr id="4" name="슬라이드 번호 개체 틀 3"/>
+          <p:cNvSpPr>
+            <a:spLocks noGrp="1"/>
+          </p:cNvSpPr>
+          <p:nvPr>
+            <p:ph type="sldNum" sz="quarter" idx="12"/>
+          </p:nvPr>
+        </p:nvSpPr>
+        <p:spPr/>
+        <p:txBody>
+          <a:bodyPr/>
+          <a:lstStyle/>
+          <a:p>
+            <a:fld id="{4CA1D5AE-3018-49FC-B3E0-A1E0E9567469}" type="slidenum">
+              <a:rPr lang="ko-KR" altLang="en-US" smtClean="0"/>
+              <a:pPr/>
+              <a:t>10</a:t>
+            </a:fld>
+            <a:endParaRPr lang="ko-KR" altLang="en-US"/>
+          </a:p>
+        </p:txBody>
+      </p:sp>
       <p:pic>
         <p:nvPicPr>
-          <p:cNvPr id="3" name="내용 개체 틀 2"/>
+          <p:cNvPr id="2" name="그림 1"/>
           <p:cNvPicPr>
-            <a:picLocks noGrp="1" noChangeAspect="1"/>
+            <a:picLocks noChangeAspect="1"/>
           </p:cNvPicPr>
-          <p:nvPr>
-            <p:ph idx="1"/>
-          </p:nvPr>
+          <p:nvPr/>
         </p:nvPicPr>
         <p:blipFill>
-          <a:blip r:embed="rId2"/>
+          <a:blip r:embed="rId3"/>
           <a:stretch>
             <a:fillRect/>
           </a:stretch>
         </p:blipFill>
         <p:spPr>
           <a:xfrm>
-            <a:off x="323850" y="1317149"/>
-            <a:ext cx="8496300" cy="4080826"/>
+            <a:off x="25400" y="2286000"/>
+            <a:ext cx="9093200" cy="2286000"/>
           </a:xfrm>
           <a:prstGeom prst="rect">
             <a:avLst/>
           </a:prstGeom>
         </p:spPr>
       </p:pic>
-      <p:sp>
-        <p:nvSpPr>
-          <p:cNvPr id="4" name="슬라이드 번호 개체 틀 3"/>
-          <p:cNvSpPr>
-            <a:spLocks noGrp="1"/>
-          </p:cNvSpPr>
-          <p:nvPr>
-            <p:ph type="sldNum" sz="quarter" idx="12"/>
-          </p:nvPr>
-        </p:nvSpPr>
-        <p:spPr/>
-        <p:txBody>
-          <a:bodyPr/>
-          <a:lstStyle/>
-          <a:p>
-            <a:fld id="{4CA1D5AE-3018-49FC-B3E0-A1E0E9567469}" type="slidenum">
-              <a:rPr lang="ko-KR" altLang="en-US" smtClean="0"/>
-              <a:pPr/>
-              <a:t>10</a:t>
-            </a:fld>
-            <a:endParaRPr lang="ko-KR" altLang="en-US"/>
-          </a:p>
-        </p:txBody>
-      </p:sp>
     </p:spTree>
     <p:extLst>
       <p:ext uri="{BB962C8B-B14F-4D97-AF65-F5344CB8AC3E}">
-        <p14:creationId xmlns:p14="http://schemas.microsoft.com/office/powerpoint/2010/main" val="668879312"/>
+        <p14:creationId xmlns:p14="http://schemas.microsoft.com/office/powerpoint/2010/main" val="421541325"/>
       </p:ext>
     </p:extLst>
   </p:cSld>
@@ -3833,60 +5925,58 @@
           <a:chExt cx="0" cy="0"/>
         </a:xfrm>
       </p:grpSpPr>
+      <p:sp>
+        <p:nvSpPr>
+          <p:cNvPr id="4" name="슬라이드 번호 개체 틀 3"/>
+          <p:cNvSpPr>
+            <a:spLocks noGrp="1"/>
+          </p:cNvSpPr>
+          <p:nvPr>
+            <p:ph type="sldNum" sz="quarter" idx="12"/>
+          </p:nvPr>
+        </p:nvSpPr>
+        <p:spPr/>
+        <p:txBody>
+          <a:bodyPr/>
+          <a:lstStyle/>
+          <a:p>
+            <a:fld id="{4CA1D5AE-3018-49FC-B3E0-A1E0E9567469}" type="slidenum">
+              <a:rPr lang="ko-KR" altLang="en-US" smtClean="0"/>
+              <a:pPr/>
+              <a:t>11</a:t>
+            </a:fld>
+            <a:endParaRPr lang="ko-KR" altLang="en-US"/>
+          </a:p>
+        </p:txBody>
+      </p:sp>
       <p:pic>
         <p:nvPicPr>
-          <p:cNvPr id="3" name="내용 개체 틀 2"/>
+          <p:cNvPr id="2" name="그림 1"/>
           <p:cNvPicPr>
-            <a:picLocks noGrp="1" noChangeAspect="1"/>
+            <a:picLocks noChangeAspect="1"/>
           </p:cNvPicPr>
-          <p:nvPr>
-            <p:ph idx="1"/>
-          </p:nvPr>
+          <p:nvPr/>
         </p:nvPicPr>
         <p:blipFill>
-          <a:blip r:embed="rId2"/>
+          <a:blip r:embed="rId3"/>
           <a:stretch>
             <a:fillRect/>
           </a:stretch>
         </p:blipFill>
         <p:spPr>
           <a:xfrm>
-            <a:off x="323850" y="2135634"/>
-            <a:ext cx="8496300" cy="2443856"/>
+            <a:off x="50800" y="2197100"/>
+            <a:ext cx="9042400" cy="2463800"/>
           </a:xfrm>
           <a:prstGeom prst="rect">
             <a:avLst/>
           </a:prstGeom>
         </p:spPr>
       </p:pic>
-      <p:sp>
-        <p:nvSpPr>
-          <p:cNvPr id="4" name="슬라이드 번호 개체 틀 3"/>
-          <p:cNvSpPr>
-            <a:spLocks noGrp="1"/>
-          </p:cNvSpPr>
-          <p:nvPr>
-            <p:ph type="sldNum" sz="quarter" idx="12"/>
-          </p:nvPr>
-        </p:nvSpPr>
-        <p:spPr/>
-        <p:txBody>
-          <a:bodyPr/>
-          <a:lstStyle/>
-          <a:p>
-            <a:fld id="{4CA1D5AE-3018-49FC-B3E0-A1E0E9567469}" type="slidenum">
-              <a:rPr lang="ko-KR" altLang="en-US" smtClean="0"/>
-              <a:pPr/>
-              <a:t>11</a:t>
-            </a:fld>
-            <a:endParaRPr lang="ko-KR" altLang="en-US"/>
-          </a:p>
-        </p:txBody>
-      </p:sp>
     </p:spTree>
     <p:extLst>
       <p:ext uri="{BB962C8B-B14F-4D97-AF65-F5344CB8AC3E}">
-        <p14:creationId xmlns:p14="http://schemas.microsoft.com/office/powerpoint/2010/main" val="464699159"/>
+        <p14:creationId xmlns:p14="http://schemas.microsoft.com/office/powerpoint/2010/main" val="1076833314"/>
       </p:ext>
     </p:extLst>
   </p:cSld>
@@ -3913,15 +6003,115 @@
           <a:chExt cx="0" cy="0"/>
         </a:xfrm>
       </p:grpSpPr>
+      <p:sp>
+        <p:nvSpPr>
+          <p:cNvPr id="4" name="슬라이드 번호 개체 틀 3"/>
+          <p:cNvSpPr>
+            <a:spLocks noGrp="1"/>
+          </p:cNvSpPr>
+          <p:nvPr>
+            <p:ph type="sldNum" sz="quarter" idx="12"/>
+          </p:nvPr>
+        </p:nvSpPr>
+        <p:spPr/>
+        <p:txBody>
+          <a:bodyPr/>
+          <a:lstStyle/>
+          <a:p>
+            <a:fld id="{4CA1D5AE-3018-49FC-B3E0-A1E0E9567469}" type="slidenum">
+              <a:rPr lang="ko-KR" altLang="en-US" smtClean="0"/>
+              <a:pPr/>
+              <a:t>12</a:t>
+            </a:fld>
+            <a:endParaRPr lang="ko-KR" altLang="en-US"/>
+          </a:p>
+        </p:txBody>
+      </p:sp>
       <p:pic>
         <p:nvPicPr>
-          <p:cNvPr id="3" name="내용 개체 틀 2"/>
+          <p:cNvPr id="2" name="그림 1"/>
           <p:cNvPicPr>
-            <a:picLocks noGrp="1" noChangeAspect="1"/>
+            <a:picLocks noChangeAspect="1"/>
           </p:cNvPicPr>
-          <p:nvPr>
-            <p:ph idx="1"/>
-          </p:nvPr>
+          <p:nvPr/>
+        </p:nvPicPr>
+        <p:blipFill>
+          <a:blip r:embed="rId3"/>
+          <a:stretch>
+            <a:fillRect/>
+          </a:stretch>
+        </p:blipFill>
+        <p:spPr>
+          <a:xfrm>
+            <a:off x="31750" y="3003550"/>
+            <a:ext cx="9080500" cy="850900"/>
+          </a:xfrm>
+          <a:prstGeom prst="rect">
+            <a:avLst/>
+          </a:prstGeom>
+        </p:spPr>
+      </p:pic>
+    </p:spTree>
+    <p:extLst>
+      <p:ext uri="{BB962C8B-B14F-4D97-AF65-F5344CB8AC3E}">
+        <p14:creationId xmlns:p14="http://schemas.microsoft.com/office/powerpoint/2010/main" val="1492815129"/>
+      </p:ext>
+    </p:extLst>
+  </p:cSld>
+  <p:clrMapOvr>
+    <a:masterClrMapping/>
+  </p:clrMapOvr>
+</p:sld>
+</file>
+
+<file path=ppt/slides/slide13.xml><?xml version="1.0" encoding="utf-8"?>
+<p:sld xmlns:a="http://schemas.openxmlformats.org/drawingml/2006/main" xmlns:r="http://schemas.openxmlformats.org/officeDocument/2006/relationships" xmlns:p="http://schemas.openxmlformats.org/presentationml/2006/main">
+  <p:cSld>
+    <p:spTree>
+      <p:nvGrpSpPr>
+        <p:cNvPr id="1" name=""/>
+        <p:cNvGrpSpPr/>
+        <p:nvPr/>
+      </p:nvGrpSpPr>
+      <p:grpSpPr>
+        <a:xfrm>
+          <a:off x="0" y="0"/>
+          <a:ext cx="0" cy="0"/>
+          <a:chOff x="0" y="0"/>
+          <a:chExt cx="0" cy="0"/>
+        </a:xfrm>
+      </p:grpSpPr>
+      <p:sp>
+        <p:nvSpPr>
+          <p:cNvPr id="4" name="슬라이드 번호 개체 틀 3"/>
+          <p:cNvSpPr>
+            <a:spLocks noGrp="1"/>
+          </p:cNvSpPr>
+          <p:nvPr>
+            <p:ph type="sldNum" sz="quarter" idx="12"/>
+          </p:nvPr>
+        </p:nvSpPr>
+        <p:spPr/>
+        <p:txBody>
+          <a:bodyPr/>
+          <a:lstStyle/>
+          <a:p>
+            <a:fld id="{4CA1D5AE-3018-49FC-B3E0-A1E0E9567469}" type="slidenum">
+              <a:rPr lang="ko-KR" altLang="en-US" smtClean="0"/>
+              <a:pPr/>
+              <a:t>13</a:t>
+            </a:fld>
+            <a:endParaRPr lang="ko-KR" altLang="en-US"/>
+          </a:p>
+        </p:txBody>
+      </p:sp>
+      <p:pic>
+        <p:nvPicPr>
+          <p:cNvPr id="2" name="그림 1"/>
+          <p:cNvPicPr>
+            <a:picLocks noChangeAspect="1"/>
+          </p:cNvPicPr>
+          <p:nvPr/>
         </p:nvPicPr>
         <p:blipFill>
           <a:blip r:embed="rId2"/>
@@ -3931,42 +6121,510 @@
         </p:blipFill>
         <p:spPr>
           <a:xfrm>
-            <a:off x="323850" y="1917512"/>
-            <a:ext cx="8496300" cy="2880101"/>
+            <a:off x="31750" y="3003550"/>
+            <a:ext cx="9080500" cy="850900"/>
           </a:xfrm>
           <a:prstGeom prst="rect">
             <a:avLst/>
           </a:prstGeom>
         </p:spPr>
       </p:pic>
-      <p:sp>
-        <p:nvSpPr>
-          <p:cNvPr id="4" name="슬라이드 번호 개체 틀 3"/>
-          <p:cNvSpPr>
-            <a:spLocks noGrp="1"/>
-          </p:cNvSpPr>
-          <p:nvPr>
-            <p:ph type="sldNum" sz="quarter" idx="12"/>
-          </p:nvPr>
-        </p:nvSpPr>
-        <p:spPr/>
-        <p:txBody>
-          <a:bodyPr/>
-          <a:lstStyle/>
-          <a:p>
-            <a:fld id="{4CA1D5AE-3018-49FC-B3E0-A1E0E9567469}" type="slidenum">
-              <a:rPr lang="ko-KR" altLang="en-US" smtClean="0"/>
-              <a:pPr/>
-              <a:t>12</a:t>
-            </a:fld>
-            <a:endParaRPr lang="ko-KR" altLang="en-US"/>
-          </a:p>
-        </p:txBody>
-      </p:sp>
+      <p:pic>
+        <p:nvPicPr>
+          <p:cNvPr id="3" name="그림 2"/>
+          <p:cNvPicPr>
+            <a:picLocks noChangeAspect="1"/>
+          </p:cNvPicPr>
+          <p:nvPr/>
+        </p:nvPicPr>
+        <p:blipFill>
+          <a:blip r:embed="rId3"/>
+          <a:stretch>
+            <a:fillRect/>
+          </a:stretch>
+        </p:blipFill>
+        <p:spPr>
+          <a:xfrm>
+            <a:off x="4980932" y="576064"/>
+            <a:ext cx="4163068" cy="5877272"/>
+          </a:xfrm>
+          <a:prstGeom prst="rect">
+            <a:avLst/>
+          </a:prstGeom>
+        </p:spPr>
+      </p:pic>
     </p:spTree>
     <p:extLst>
       <p:ext uri="{BB962C8B-B14F-4D97-AF65-F5344CB8AC3E}">
-        <p14:creationId xmlns:p14="http://schemas.microsoft.com/office/powerpoint/2010/main" val="1948224821"/>
+        <p14:creationId xmlns:p14="http://schemas.microsoft.com/office/powerpoint/2010/main" val="692425202"/>
+      </p:ext>
+    </p:extLst>
+  </p:cSld>
+  <p:clrMapOvr>
+    <a:masterClrMapping/>
+  </p:clrMapOvr>
+</p:sld>
+</file>
+
+<file path=ppt/slides/slide14.xml><?xml version="1.0" encoding="utf-8"?>
+<p:sld xmlns:a="http://schemas.openxmlformats.org/drawingml/2006/main" xmlns:r="http://schemas.openxmlformats.org/officeDocument/2006/relationships" xmlns:p="http://schemas.openxmlformats.org/presentationml/2006/main">
+  <p:cSld>
+    <p:spTree>
+      <p:nvGrpSpPr>
+        <p:cNvPr id="1" name=""/>
+        <p:cNvGrpSpPr/>
+        <p:nvPr/>
+      </p:nvGrpSpPr>
+      <p:grpSpPr>
+        <a:xfrm>
+          <a:off x="0" y="0"/>
+          <a:ext cx="0" cy="0"/>
+          <a:chOff x="0" y="0"/>
+          <a:chExt cx="0" cy="0"/>
+        </a:xfrm>
+      </p:grpSpPr>
+      <p:sp>
+        <p:nvSpPr>
+          <p:cNvPr id="4" name="슬라이드 번호 개체 틀 3"/>
+          <p:cNvSpPr>
+            <a:spLocks noGrp="1"/>
+          </p:cNvSpPr>
+          <p:nvPr>
+            <p:ph type="sldNum" sz="quarter" idx="12"/>
+          </p:nvPr>
+        </p:nvSpPr>
+        <p:spPr/>
+        <p:txBody>
+          <a:bodyPr/>
+          <a:lstStyle/>
+          <a:p>
+            <a:fld id="{4CA1D5AE-3018-49FC-B3E0-A1E0E9567469}" type="slidenum">
+              <a:rPr lang="ko-KR" altLang="en-US" smtClean="0"/>
+              <a:pPr/>
+              <a:t>14</a:t>
+            </a:fld>
+            <a:endParaRPr lang="ko-KR" altLang="en-US"/>
+          </a:p>
+        </p:txBody>
+      </p:sp>
+      <p:pic>
+        <p:nvPicPr>
+          <p:cNvPr id="2" name="그림 1"/>
+          <p:cNvPicPr>
+            <a:picLocks noChangeAspect="1"/>
+          </p:cNvPicPr>
+          <p:nvPr/>
+        </p:nvPicPr>
+        <p:blipFill>
+          <a:blip r:embed="rId3"/>
+          <a:stretch>
+            <a:fillRect/>
+          </a:stretch>
+        </p:blipFill>
+        <p:spPr>
+          <a:xfrm>
+            <a:off x="25400" y="2374900"/>
+            <a:ext cx="9093200" cy="2108200"/>
+          </a:xfrm>
+          <a:prstGeom prst="rect">
+            <a:avLst/>
+          </a:prstGeom>
+        </p:spPr>
+      </p:pic>
+    </p:spTree>
+    <p:extLst>
+      <p:ext uri="{BB962C8B-B14F-4D97-AF65-F5344CB8AC3E}">
+        <p14:creationId xmlns:p14="http://schemas.microsoft.com/office/powerpoint/2010/main" val="376486921"/>
+      </p:ext>
+    </p:extLst>
+  </p:cSld>
+  <p:clrMapOvr>
+    <a:masterClrMapping/>
+  </p:clrMapOvr>
+</p:sld>
+</file>
+
+<file path=ppt/slides/slide15.xml><?xml version="1.0" encoding="utf-8"?>
+<p:sld xmlns:a="http://schemas.openxmlformats.org/drawingml/2006/main" xmlns:r="http://schemas.openxmlformats.org/officeDocument/2006/relationships" xmlns:p="http://schemas.openxmlformats.org/presentationml/2006/main">
+  <p:cSld>
+    <p:spTree>
+      <p:nvGrpSpPr>
+        <p:cNvPr id="1" name=""/>
+        <p:cNvGrpSpPr/>
+        <p:nvPr/>
+      </p:nvGrpSpPr>
+      <p:grpSpPr>
+        <a:xfrm>
+          <a:off x="0" y="0"/>
+          <a:ext cx="0" cy="0"/>
+          <a:chOff x="0" y="0"/>
+          <a:chExt cx="0" cy="0"/>
+        </a:xfrm>
+      </p:grpSpPr>
+      <p:sp>
+        <p:nvSpPr>
+          <p:cNvPr id="4" name="슬라이드 번호 개체 틀 3"/>
+          <p:cNvSpPr>
+            <a:spLocks noGrp="1"/>
+          </p:cNvSpPr>
+          <p:nvPr>
+            <p:ph type="sldNum" sz="quarter" idx="12"/>
+          </p:nvPr>
+        </p:nvSpPr>
+        <p:spPr/>
+        <p:txBody>
+          <a:bodyPr/>
+          <a:lstStyle/>
+          <a:p>
+            <a:fld id="{4CA1D5AE-3018-49FC-B3E0-A1E0E9567469}" type="slidenum">
+              <a:rPr lang="ko-KR" altLang="en-US" smtClean="0"/>
+              <a:pPr/>
+              <a:t>15</a:t>
+            </a:fld>
+            <a:endParaRPr lang="ko-KR" altLang="en-US"/>
+          </a:p>
+        </p:txBody>
+      </p:sp>
+      <p:pic>
+        <p:nvPicPr>
+          <p:cNvPr id="2" name="그림 1"/>
+          <p:cNvPicPr>
+            <a:picLocks noChangeAspect="1"/>
+          </p:cNvPicPr>
+          <p:nvPr/>
+        </p:nvPicPr>
+        <p:blipFill>
+          <a:blip r:embed="rId3"/>
+          <a:stretch>
+            <a:fillRect/>
+          </a:stretch>
+        </p:blipFill>
+        <p:spPr>
+          <a:xfrm>
+            <a:off x="19050" y="1670050"/>
+            <a:ext cx="9105900" cy="3517900"/>
+          </a:xfrm>
+          <a:prstGeom prst="rect">
+            <a:avLst/>
+          </a:prstGeom>
+        </p:spPr>
+      </p:pic>
+    </p:spTree>
+    <p:extLst>
+      <p:ext uri="{BB962C8B-B14F-4D97-AF65-F5344CB8AC3E}">
+        <p14:creationId xmlns:p14="http://schemas.microsoft.com/office/powerpoint/2010/main" val="1128857185"/>
+      </p:ext>
+    </p:extLst>
+  </p:cSld>
+  <p:clrMapOvr>
+    <a:masterClrMapping/>
+  </p:clrMapOvr>
+</p:sld>
+</file>
+
+<file path=ppt/slides/slide16.xml><?xml version="1.0" encoding="utf-8"?>
+<p:sld xmlns:a="http://schemas.openxmlformats.org/drawingml/2006/main" xmlns:r="http://schemas.openxmlformats.org/officeDocument/2006/relationships" xmlns:p="http://schemas.openxmlformats.org/presentationml/2006/main">
+  <p:cSld>
+    <p:spTree>
+      <p:nvGrpSpPr>
+        <p:cNvPr id="1" name=""/>
+        <p:cNvGrpSpPr/>
+        <p:nvPr/>
+      </p:nvGrpSpPr>
+      <p:grpSpPr>
+        <a:xfrm>
+          <a:off x="0" y="0"/>
+          <a:ext cx="0" cy="0"/>
+          <a:chOff x="0" y="0"/>
+          <a:chExt cx="0" cy="0"/>
+        </a:xfrm>
+      </p:grpSpPr>
+      <p:sp>
+        <p:nvSpPr>
+          <p:cNvPr id="4" name="슬라이드 번호 개체 틀 3"/>
+          <p:cNvSpPr>
+            <a:spLocks noGrp="1"/>
+          </p:cNvSpPr>
+          <p:nvPr>
+            <p:ph type="sldNum" sz="quarter" idx="12"/>
+          </p:nvPr>
+        </p:nvSpPr>
+        <p:spPr/>
+        <p:txBody>
+          <a:bodyPr/>
+          <a:lstStyle/>
+          <a:p>
+            <a:fld id="{4CA1D5AE-3018-49FC-B3E0-A1E0E9567469}" type="slidenum">
+              <a:rPr lang="ko-KR" altLang="en-US" smtClean="0"/>
+              <a:pPr/>
+              <a:t>16</a:t>
+            </a:fld>
+            <a:endParaRPr lang="ko-KR" altLang="en-US"/>
+          </a:p>
+        </p:txBody>
+      </p:sp>
+      <p:pic>
+        <p:nvPicPr>
+          <p:cNvPr id="2" name="그림 1"/>
+          <p:cNvPicPr>
+            <a:picLocks noChangeAspect="1"/>
+          </p:cNvPicPr>
+          <p:nvPr/>
+        </p:nvPicPr>
+        <p:blipFill>
+          <a:blip r:embed="rId3"/>
+          <a:stretch>
+            <a:fillRect/>
+          </a:stretch>
+        </p:blipFill>
+        <p:spPr>
+          <a:xfrm>
+            <a:off x="44450" y="2025650"/>
+            <a:ext cx="9055100" cy="2806700"/>
+          </a:xfrm>
+          <a:prstGeom prst="rect">
+            <a:avLst/>
+          </a:prstGeom>
+        </p:spPr>
+      </p:pic>
+    </p:spTree>
+    <p:extLst>
+      <p:ext uri="{BB962C8B-B14F-4D97-AF65-F5344CB8AC3E}">
+        <p14:creationId xmlns:p14="http://schemas.microsoft.com/office/powerpoint/2010/main" val="793578945"/>
+      </p:ext>
+    </p:extLst>
+  </p:cSld>
+  <p:clrMapOvr>
+    <a:masterClrMapping/>
+  </p:clrMapOvr>
+</p:sld>
+</file>
+
+<file path=ppt/slides/slide17.xml><?xml version="1.0" encoding="utf-8"?>
+<p:sld xmlns:a="http://schemas.openxmlformats.org/drawingml/2006/main" xmlns:r="http://schemas.openxmlformats.org/officeDocument/2006/relationships" xmlns:p="http://schemas.openxmlformats.org/presentationml/2006/main">
+  <p:cSld>
+    <p:spTree>
+      <p:nvGrpSpPr>
+        <p:cNvPr id="1" name=""/>
+        <p:cNvGrpSpPr/>
+        <p:nvPr/>
+      </p:nvGrpSpPr>
+      <p:grpSpPr>
+        <a:xfrm>
+          <a:off x="0" y="0"/>
+          <a:ext cx="0" cy="0"/>
+          <a:chOff x="0" y="0"/>
+          <a:chExt cx="0" cy="0"/>
+        </a:xfrm>
+      </p:grpSpPr>
+      <p:sp>
+        <p:nvSpPr>
+          <p:cNvPr id="4" name="슬라이드 번호 개체 틀 3"/>
+          <p:cNvSpPr>
+            <a:spLocks noGrp="1"/>
+          </p:cNvSpPr>
+          <p:nvPr>
+            <p:ph type="sldNum" sz="quarter" idx="12"/>
+          </p:nvPr>
+        </p:nvSpPr>
+        <p:spPr/>
+        <p:txBody>
+          <a:bodyPr/>
+          <a:lstStyle/>
+          <a:p>
+            <a:fld id="{4CA1D5AE-3018-49FC-B3E0-A1E0E9567469}" type="slidenum">
+              <a:rPr lang="ko-KR" altLang="en-US" smtClean="0"/>
+              <a:pPr/>
+              <a:t>17</a:t>
+            </a:fld>
+            <a:endParaRPr lang="ko-KR" altLang="en-US"/>
+          </a:p>
+        </p:txBody>
+      </p:sp>
+      <p:pic>
+        <p:nvPicPr>
+          <p:cNvPr id="2" name="그림 1"/>
+          <p:cNvPicPr>
+            <a:picLocks noChangeAspect="1"/>
+          </p:cNvPicPr>
+          <p:nvPr/>
+        </p:nvPicPr>
+        <p:blipFill>
+          <a:blip r:embed="rId3"/>
+          <a:stretch>
+            <a:fillRect/>
+          </a:stretch>
+        </p:blipFill>
+        <p:spPr>
+          <a:xfrm>
+            <a:off x="44450" y="2228850"/>
+            <a:ext cx="9055100" cy="2400300"/>
+          </a:xfrm>
+          <a:prstGeom prst="rect">
+            <a:avLst/>
+          </a:prstGeom>
+        </p:spPr>
+      </p:pic>
+    </p:spTree>
+    <p:extLst>
+      <p:ext uri="{BB962C8B-B14F-4D97-AF65-F5344CB8AC3E}">
+        <p14:creationId xmlns:p14="http://schemas.microsoft.com/office/powerpoint/2010/main" val="1807880745"/>
+      </p:ext>
+    </p:extLst>
+  </p:cSld>
+  <p:clrMapOvr>
+    <a:masterClrMapping/>
+  </p:clrMapOvr>
+</p:sld>
+</file>
+
+<file path=ppt/slides/slide18.xml><?xml version="1.0" encoding="utf-8"?>
+<p:sld xmlns:a="http://schemas.openxmlformats.org/drawingml/2006/main" xmlns:r="http://schemas.openxmlformats.org/officeDocument/2006/relationships" xmlns:p="http://schemas.openxmlformats.org/presentationml/2006/main">
+  <p:cSld>
+    <p:spTree>
+      <p:nvGrpSpPr>
+        <p:cNvPr id="1" name=""/>
+        <p:cNvGrpSpPr/>
+        <p:nvPr/>
+      </p:nvGrpSpPr>
+      <p:grpSpPr>
+        <a:xfrm>
+          <a:off x="0" y="0"/>
+          <a:ext cx="0" cy="0"/>
+          <a:chOff x="0" y="0"/>
+          <a:chExt cx="0" cy="0"/>
+        </a:xfrm>
+      </p:grpSpPr>
+      <p:sp>
+        <p:nvSpPr>
+          <p:cNvPr id="4" name="슬라이드 번호 개체 틀 3"/>
+          <p:cNvSpPr>
+            <a:spLocks noGrp="1"/>
+          </p:cNvSpPr>
+          <p:nvPr>
+            <p:ph type="sldNum" sz="quarter" idx="12"/>
+          </p:nvPr>
+        </p:nvSpPr>
+        <p:spPr/>
+        <p:txBody>
+          <a:bodyPr/>
+          <a:lstStyle/>
+          <a:p>
+            <a:fld id="{4CA1D5AE-3018-49FC-B3E0-A1E0E9567469}" type="slidenum">
+              <a:rPr lang="ko-KR" altLang="en-US" smtClean="0"/>
+              <a:pPr/>
+              <a:t>18</a:t>
+            </a:fld>
+            <a:endParaRPr lang="ko-KR" altLang="en-US"/>
+          </a:p>
+        </p:txBody>
+      </p:sp>
+      <p:pic>
+        <p:nvPicPr>
+          <p:cNvPr id="2" name="그림 1"/>
+          <p:cNvPicPr>
+            <a:picLocks noChangeAspect="1"/>
+          </p:cNvPicPr>
+          <p:nvPr/>
+        </p:nvPicPr>
+        <p:blipFill>
+          <a:blip r:embed="rId3"/>
+          <a:stretch>
+            <a:fillRect/>
+          </a:stretch>
+        </p:blipFill>
+        <p:spPr>
+          <a:xfrm>
+            <a:off x="38100" y="2425700"/>
+            <a:ext cx="9067800" cy="2006600"/>
+          </a:xfrm>
+          <a:prstGeom prst="rect">
+            <a:avLst/>
+          </a:prstGeom>
+        </p:spPr>
+      </p:pic>
+    </p:spTree>
+    <p:extLst>
+      <p:ext uri="{BB962C8B-B14F-4D97-AF65-F5344CB8AC3E}">
+        <p14:creationId xmlns:p14="http://schemas.microsoft.com/office/powerpoint/2010/main" val="305559812"/>
+      </p:ext>
+    </p:extLst>
+  </p:cSld>
+  <p:clrMapOvr>
+    <a:masterClrMapping/>
+  </p:clrMapOvr>
+</p:sld>
+</file>
+
+<file path=ppt/slides/slide19.xml><?xml version="1.0" encoding="utf-8"?>
+<p:sld xmlns:a="http://schemas.openxmlformats.org/drawingml/2006/main" xmlns:r="http://schemas.openxmlformats.org/officeDocument/2006/relationships" xmlns:p="http://schemas.openxmlformats.org/presentationml/2006/main">
+  <p:cSld>
+    <p:spTree>
+      <p:nvGrpSpPr>
+        <p:cNvPr id="1" name=""/>
+        <p:cNvGrpSpPr/>
+        <p:nvPr/>
+      </p:nvGrpSpPr>
+      <p:grpSpPr>
+        <a:xfrm>
+          <a:off x="0" y="0"/>
+          <a:ext cx="0" cy="0"/>
+          <a:chOff x="0" y="0"/>
+          <a:chExt cx="0" cy="0"/>
+        </a:xfrm>
+      </p:grpSpPr>
+      <p:sp>
+        <p:nvSpPr>
+          <p:cNvPr id="4" name="슬라이드 번호 개체 틀 3"/>
+          <p:cNvSpPr>
+            <a:spLocks noGrp="1"/>
+          </p:cNvSpPr>
+          <p:nvPr>
+            <p:ph type="sldNum" sz="quarter" idx="12"/>
+          </p:nvPr>
+        </p:nvSpPr>
+        <p:spPr/>
+        <p:txBody>
+          <a:bodyPr/>
+          <a:lstStyle/>
+          <a:p>
+            <a:fld id="{4CA1D5AE-3018-49FC-B3E0-A1E0E9567469}" type="slidenum">
+              <a:rPr lang="ko-KR" altLang="en-US" smtClean="0"/>
+              <a:pPr/>
+              <a:t>19</a:t>
+            </a:fld>
+            <a:endParaRPr lang="ko-KR" altLang="en-US"/>
+          </a:p>
+        </p:txBody>
+      </p:sp>
+      <p:pic>
+        <p:nvPicPr>
+          <p:cNvPr id="2" name="그림 1"/>
+          <p:cNvPicPr>
+            <a:picLocks noChangeAspect="1"/>
+          </p:cNvPicPr>
+          <p:nvPr/>
+        </p:nvPicPr>
+        <p:blipFill>
+          <a:blip r:embed="rId3"/>
+          <a:stretch>
+            <a:fillRect/>
+          </a:stretch>
+        </p:blipFill>
+        <p:spPr>
+          <a:xfrm>
+            <a:off x="44450" y="2222500"/>
+            <a:ext cx="9055100" cy="2413000"/>
+          </a:xfrm>
+          <a:prstGeom prst="rect">
+            <a:avLst/>
+          </a:prstGeom>
+        </p:spPr>
+      </p:pic>
+    </p:spTree>
+    <p:extLst>
+      <p:ext uri="{BB962C8B-B14F-4D97-AF65-F5344CB8AC3E}">
+        <p14:creationId xmlns:p14="http://schemas.microsoft.com/office/powerpoint/2010/main" val="910360307"/>
       </p:ext>
     </p:extLst>
   </p:cSld>
@@ -3993,60 +6651,58 @@
           <a:chExt cx="0" cy="0"/>
         </a:xfrm>
       </p:grpSpPr>
+      <p:sp>
+        <p:nvSpPr>
+          <p:cNvPr id="4" name="슬라이드 번호 개체 틀 3"/>
+          <p:cNvSpPr>
+            <a:spLocks noGrp="1"/>
+          </p:cNvSpPr>
+          <p:nvPr>
+            <p:ph type="sldNum" sz="quarter" idx="12"/>
+          </p:nvPr>
+        </p:nvSpPr>
+        <p:spPr/>
+        <p:txBody>
+          <a:bodyPr/>
+          <a:lstStyle/>
+          <a:p>
+            <a:fld id="{4CA1D5AE-3018-49FC-B3E0-A1E0E9567469}" type="slidenum">
+              <a:rPr lang="ko-KR" altLang="en-US" smtClean="0"/>
+              <a:pPr/>
+              <a:t>2</a:t>
+            </a:fld>
+            <a:endParaRPr lang="ko-KR" altLang="en-US"/>
+          </a:p>
+        </p:txBody>
+      </p:sp>
       <p:pic>
         <p:nvPicPr>
-          <p:cNvPr id="5" name="내용 개체 틀 4"/>
+          <p:cNvPr id="5" name="그림 4"/>
           <p:cNvPicPr>
-            <a:picLocks noGrp="1" noChangeAspect="1"/>
+            <a:picLocks noChangeAspect="1"/>
           </p:cNvPicPr>
-          <p:nvPr>
-            <p:ph idx="1"/>
-          </p:nvPr>
+          <p:nvPr/>
         </p:nvPicPr>
         <p:blipFill>
-          <a:blip r:embed="rId2"/>
+          <a:blip r:embed="rId3"/>
           <a:stretch>
             <a:fillRect/>
           </a:stretch>
         </p:blipFill>
         <p:spPr>
           <a:xfrm>
-            <a:off x="323850" y="2605448"/>
-            <a:ext cx="8496300" cy="1504228"/>
+            <a:off x="6350" y="2362200"/>
+            <a:ext cx="9131300" cy="2133600"/>
           </a:xfrm>
           <a:prstGeom prst="rect">
             <a:avLst/>
           </a:prstGeom>
         </p:spPr>
       </p:pic>
-      <p:sp>
-        <p:nvSpPr>
-          <p:cNvPr id="4" name="슬라이드 번호 개체 틀 3"/>
-          <p:cNvSpPr>
-            <a:spLocks noGrp="1"/>
-          </p:cNvSpPr>
-          <p:nvPr>
-            <p:ph type="sldNum" sz="quarter" idx="12"/>
-          </p:nvPr>
-        </p:nvSpPr>
-        <p:spPr/>
-        <p:txBody>
-          <a:bodyPr/>
-          <a:lstStyle/>
-          <a:p>
-            <a:fld id="{4CA1D5AE-3018-49FC-B3E0-A1E0E9567469}" type="slidenum">
-              <a:rPr lang="ko-KR" altLang="en-US" smtClean="0"/>
-              <a:pPr/>
-              <a:t>2</a:t>
-            </a:fld>
-            <a:endParaRPr lang="ko-KR" altLang="en-US"/>
-          </a:p>
-        </p:txBody>
-      </p:sp>
     </p:spTree>
     <p:extLst>
       <p:ext uri="{BB962C8B-B14F-4D97-AF65-F5344CB8AC3E}">
-        <p14:creationId xmlns:p14="http://schemas.microsoft.com/office/powerpoint/2010/main" val="2028244585"/>
+        <p14:creationId xmlns:p14="http://schemas.microsoft.com/office/powerpoint/2010/main" val="30653350"/>
       </p:ext>
     </p:extLst>
   </p:cSld>
@@ -4073,60 +6729,58 @@
           <a:chExt cx="0" cy="0"/>
         </a:xfrm>
       </p:grpSpPr>
+      <p:sp>
+        <p:nvSpPr>
+          <p:cNvPr id="4" name="슬라이드 번호 개체 틀 3"/>
+          <p:cNvSpPr>
+            <a:spLocks noGrp="1"/>
+          </p:cNvSpPr>
+          <p:nvPr>
+            <p:ph type="sldNum" sz="quarter" idx="12"/>
+          </p:nvPr>
+        </p:nvSpPr>
+        <p:spPr/>
+        <p:txBody>
+          <a:bodyPr/>
+          <a:lstStyle/>
+          <a:p>
+            <a:fld id="{4CA1D5AE-3018-49FC-B3E0-A1E0E9567469}" type="slidenum">
+              <a:rPr lang="ko-KR" altLang="en-US" smtClean="0"/>
+              <a:pPr/>
+              <a:t>3</a:t>
+            </a:fld>
+            <a:endParaRPr lang="ko-KR" altLang="en-US"/>
+          </a:p>
+        </p:txBody>
+      </p:sp>
       <p:pic>
         <p:nvPicPr>
-          <p:cNvPr id="3" name="내용 개체 틀 2"/>
+          <p:cNvPr id="6" name="그림 5"/>
           <p:cNvPicPr>
-            <a:picLocks noGrp="1" noChangeAspect="1"/>
+            <a:picLocks noChangeAspect="1"/>
           </p:cNvPicPr>
-          <p:nvPr>
-            <p:ph idx="1"/>
-          </p:nvPr>
+          <p:nvPr/>
         </p:nvPicPr>
         <p:blipFill>
-          <a:blip r:embed="rId2"/>
+          <a:blip r:embed="rId3"/>
           <a:stretch>
             <a:fillRect/>
           </a:stretch>
         </p:blipFill>
         <p:spPr>
           <a:xfrm>
-            <a:off x="323850" y="2628865"/>
-            <a:ext cx="8496300" cy="1457394"/>
+            <a:off x="0" y="2446115"/>
+            <a:ext cx="9144000" cy="1965770"/>
           </a:xfrm>
           <a:prstGeom prst="rect">
             <a:avLst/>
           </a:prstGeom>
         </p:spPr>
       </p:pic>
-      <p:sp>
-        <p:nvSpPr>
-          <p:cNvPr id="4" name="슬라이드 번호 개체 틀 3"/>
-          <p:cNvSpPr>
-            <a:spLocks noGrp="1"/>
-          </p:cNvSpPr>
-          <p:nvPr>
-            <p:ph type="sldNum" sz="quarter" idx="12"/>
-          </p:nvPr>
-        </p:nvSpPr>
-        <p:spPr/>
-        <p:txBody>
-          <a:bodyPr/>
-          <a:lstStyle/>
-          <a:p>
-            <a:fld id="{4CA1D5AE-3018-49FC-B3E0-A1E0E9567469}" type="slidenum">
-              <a:rPr lang="ko-KR" altLang="en-US" smtClean="0"/>
-              <a:pPr/>
-              <a:t>3</a:t>
-            </a:fld>
-            <a:endParaRPr lang="ko-KR" altLang="en-US"/>
-          </a:p>
-        </p:txBody>
-      </p:sp>
     </p:spTree>
     <p:extLst>
       <p:ext uri="{BB962C8B-B14F-4D97-AF65-F5344CB8AC3E}">
-        <p14:creationId xmlns:p14="http://schemas.microsoft.com/office/powerpoint/2010/main" val="15406257"/>
+        <p14:creationId xmlns:p14="http://schemas.microsoft.com/office/powerpoint/2010/main" val="1233149896"/>
       </p:ext>
     </p:extLst>
   </p:cSld>
@@ -4153,15 +6807,37 @@
           <a:chExt cx="0" cy="0"/>
         </a:xfrm>
       </p:grpSpPr>
+      <p:sp>
+        <p:nvSpPr>
+          <p:cNvPr id="4" name="슬라이드 번호 개체 틀 3"/>
+          <p:cNvSpPr>
+            <a:spLocks noGrp="1"/>
+          </p:cNvSpPr>
+          <p:nvPr>
+            <p:ph type="sldNum" sz="quarter" idx="12"/>
+          </p:nvPr>
+        </p:nvSpPr>
+        <p:spPr/>
+        <p:txBody>
+          <a:bodyPr/>
+          <a:lstStyle/>
+          <a:p>
+            <a:fld id="{4CA1D5AE-3018-49FC-B3E0-A1E0E9567469}" type="slidenum">
+              <a:rPr lang="ko-KR" altLang="en-US" smtClean="0"/>
+              <a:pPr/>
+              <a:t>4</a:t>
+            </a:fld>
+            <a:endParaRPr lang="ko-KR" altLang="en-US"/>
+          </a:p>
+        </p:txBody>
+      </p:sp>
       <p:pic>
         <p:nvPicPr>
-          <p:cNvPr id="3" name="내용 개체 틀 2"/>
+          <p:cNvPr id="2" name="그림 1"/>
           <p:cNvPicPr>
-            <a:picLocks noGrp="1" noChangeAspect="1"/>
+            <a:picLocks noChangeAspect="1"/>
           </p:cNvPicPr>
-          <p:nvPr>
-            <p:ph idx="1"/>
-          </p:nvPr>
+          <p:nvPr/>
         </p:nvPicPr>
         <p:blipFill>
           <a:blip r:embed="rId3"/>
@@ -4171,42 +6847,18 @@
         </p:blipFill>
         <p:spPr>
           <a:xfrm>
-            <a:off x="323850" y="2320043"/>
-            <a:ext cx="8496300" cy="2075038"/>
+            <a:off x="12700" y="1746250"/>
+            <a:ext cx="9118600" cy="3365500"/>
           </a:xfrm>
           <a:prstGeom prst="rect">
             <a:avLst/>
           </a:prstGeom>
         </p:spPr>
       </p:pic>
-      <p:sp>
-        <p:nvSpPr>
-          <p:cNvPr id="4" name="슬라이드 번호 개체 틀 3"/>
-          <p:cNvSpPr>
-            <a:spLocks noGrp="1"/>
-          </p:cNvSpPr>
-          <p:nvPr>
-            <p:ph type="sldNum" sz="quarter" idx="12"/>
-          </p:nvPr>
-        </p:nvSpPr>
-        <p:spPr/>
-        <p:txBody>
-          <a:bodyPr/>
-          <a:lstStyle/>
-          <a:p>
-            <a:fld id="{4CA1D5AE-3018-49FC-B3E0-A1E0E9567469}" type="slidenum">
-              <a:rPr lang="ko-KR" altLang="en-US" smtClean="0"/>
-              <a:pPr/>
-              <a:t>4</a:t>
-            </a:fld>
-            <a:endParaRPr lang="ko-KR" altLang="en-US"/>
-          </a:p>
-        </p:txBody>
-      </p:sp>
     </p:spTree>
     <p:extLst>
       <p:ext uri="{BB962C8B-B14F-4D97-AF65-F5344CB8AC3E}">
-        <p14:creationId xmlns:p14="http://schemas.microsoft.com/office/powerpoint/2010/main" val="2081652905"/>
+        <p14:creationId xmlns:p14="http://schemas.microsoft.com/office/powerpoint/2010/main" val="1739642695"/>
       </p:ext>
     </p:extLst>
   </p:cSld>
@@ -4233,60 +6885,58 @@
           <a:chExt cx="0" cy="0"/>
         </a:xfrm>
       </p:grpSpPr>
+      <p:sp>
+        <p:nvSpPr>
+          <p:cNvPr id="4" name="슬라이드 번호 개체 틀 3"/>
+          <p:cNvSpPr>
+            <a:spLocks noGrp="1"/>
+          </p:cNvSpPr>
+          <p:nvPr>
+            <p:ph type="sldNum" sz="quarter" idx="12"/>
+          </p:nvPr>
+        </p:nvSpPr>
+        <p:spPr/>
+        <p:txBody>
+          <a:bodyPr/>
+          <a:lstStyle/>
+          <a:p>
+            <a:fld id="{4CA1D5AE-3018-49FC-B3E0-A1E0E9567469}" type="slidenum">
+              <a:rPr lang="ko-KR" altLang="en-US" smtClean="0"/>
+              <a:pPr/>
+              <a:t>5</a:t>
+            </a:fld>
+            <a:endParaRPr lang="ko-KR" altLang="en-US"/>
+          </a:p>
+        </p:txBody>
+      </p:sp>
       <p:pic>
         <p:nvPicPr>
-          <p:cNvPr id="3" name="내용 개체 틀 2"/>
+          <p:cNvPr id="2" name="그림 1"/>
           <p:cNvPicPr>
-            <a:picLocks noGrp="1" noChangeAspect="1"/>
+            <a:picLocks noChangeAspect="1"/>
           </p:cNvPicPr>
-          <p:nvPr>
-            <p:ph idx="1"/>
-          </p:nvPr>
+          <p:nvPr/>
         </p:nvPicPr>
         <p:blipFill>
-          <a:blip r:embed="rId2"/>
+          <a:blip r:embed="rId3"/>
           <a:stretch>
             <a:fillRect/>
           </a:stretch>
         </p:blipFill>
         <p:spPr>
           <a:xfrm>
-            <a:off x="323850" y="1223126"/>
-            <a:ext cx="8496300" cy="4268872"/>
+            <a:off x="63500" y="2120900"/>
+            <a:ext cx="9017000" cy="2616200"/>
           </a:xfrm>
           <a:prstGeom prst="rect">
             <a:avLst/>
           </a:prstGeom>
         </p:spPr>
       </p:pic>
-      <p:sp>
-        <p:nvSpPr>
-          <p:cNvPr id="4" name="슬라이드 번호 개체 틀 3"/>
-          <p:cNvSpPr>
-            <a:spLocks noGrp="1"/>
-          </p:cNvSpPr>
-          <p:nvPr>
-            <p:ph type="sldNum" sz="quarter" idx="12"/>
-          </p:nvPr>
-        </p:nvSpPr>
-        <p:spPr/>
-        <p:txBody>
-          <a:bodyPr/>
-          <a:lstStyle/>
-          <a:p>
-            <a:fld id="{4CA1D5AE-3018-49FC-B3E0-A1E0E9567469}" type="slidenum">
-              <a:rPr lang="ko-KR" altLang="en-US" smtClean="0"/>
-              <a:pPr/>
-              <a:t>5</a:t>
-            </a:fld>
-            <a:endParaRPr lang="ko-KR" altLang="en-US"/>
-          </a:p>
-        </p:txBody>
-      </p:sp>
     </p:spTree>
     <p:extLst>
       <p:ext uri="{BB962C8B-B14F-4D97-AF65-F5344CB8AC3E}">
-        <p14:creationId xmlns:p14="http://schemas.microsoft.com/office/powerpoint/2010/main" val="1684281058"/>
+        <p14:creationId xmlns:p14="http://schemas.microsoft.com/office/powerpoint/2010/main" val="184920960"/>
       </p:ext>
     </p:extLst>
   </p:cSld>
@@ -4313,60 +6963,58 @@
           <a:chExt cx="0" cy="0"/>
         </a:xfrm>
       </p:grpSpPr>
+      <p:sp>
+        <p:nvSpPr>
+          <p:cNvPr id="4" name="슬라이드 번호 개체 틀 3"/>
+          <p:cNvSpPr>
+            <a:spLocks noGrp="1"/>
+          </p:cNvSpPr>
+          <p:nvPr>
+            <p:ph type="sldNum" sz="quarter" idx="12"/>
+          </p:nvPr>
+        </p:nvSpPr>
+        <p:spPr/>
+        <p:txBody>
+          <a:bodyPr/>
+          <a:lstStyle/>
+          <a:p>
+            <a:fld id="{4CA1D5AE-3018-49FC-B3E0-A1E0E9567469}" type="slidenum">
+              <a:rPr lang="ko-KR" altLang="en-US" smtClean="0"/>
+              <a:pPr/>
+              <a:t>6</a:t>
+            </a:fld>
+            <a:endParaRPr lang="ko-KR" altLang="en-US"/>
+          </a:p>
+        </p:txBody>
+      </p:sp>
       <p:pic>
         <p:nvPicPr>
-          <p:cNvPr id="3" name="내용 개체 틀 2"/>
+          <p:cNvPr id="2" name="그림 1"/>
           <p:cNvPicPr>
-            <a:picLocks noGrp="1" noChangeAspect="1"/>
+            <a:picLocks noChangeAspect="1"/>
           </p:cNvPicPr>
-          <p:nvPr>
-            <p:ph idx="1"/>
-          </p:nvPr>
+          <p:nvPr/>
         </p:nvPicPr>
         <p:blipFill>
-          <a:blip r:embed="rId2"/>
+          <a:blip r:embed="rId3"/>
           <a:stretch>
             <a:fillRect/>
           </a:stretch>
         </p:blipFill>
         <p:spPr>
           <a:xfrm>
-            <a:off x="323850" y="1416731"/>
-            <a:ext cx="8496300" cy="3881663"/>
+            <a:off x="69850" y="1543050"/>
+            <a:ext cx="9004300" cy="3771900"/>
           </a:xfrm>
           <a:prstGeom prst="rect">
             <a:avLst/>
           </a:prstGeom>
         </p:spPr>
       </p:pic>
-      <p:sp>
-        <p:nvSpPr>
-          <p:cNvPr id="4" name="슬라이드 번호 개체 틀 3"/>
-          <p:cNvSpPr>
-            <a:spLocks noGrp="1"/>
-          </p:cNvSpPr>
-          <p:nvPr>
-            <p:ph type="sldNum" sz="quarter" idx="12"/>
-          </p:nvPr>
-        </p:nvSpPr>
-        <p:spPr/>
-        <p:txBody>
-          <a:bodyPr/>
-          <a:lstStyle/>
-          <a:p>
-            <a:fld id="{4CA1D5AE-3018-49FC-B3E0-A1E0E9567469}" type="slidenum">
-              <a:rPr lang="ko-KR" altLang="en-US" smtClean="0"/>
-              <a:pPr/>
-              <a:t>6</a:t>
-            </a:fld>
-            <a:endParaRPr lang="ko-KR" altLang="en-US"/>
-          </a:p>
-        </p:txBody>
-      </p:sp>
     </p:spTree>
     <p:extLst>
       <p:ext uri="{BB962C8B-B14F-4D97-AF65-F5344CB8AC3E}">
-        <p14:creationId xmlns:p14="http://schemas.microsoft.com/office/powerpoint/2010/main" val="1729790699"/>
+        <p14:creationId xmlns:p14="http://schemas.microsoft.com/office/powerpoint/2010/main" val="557737511"/>
       </p:ext>
     </p:extLst>
   </p:cSld>
@@ -4393,60 +7041,58 @@
           <a:chExt cx="0" cy="0"/>
         </a:xfrm>
       </p:grpSpPr>
+      <p:sp>
+        <p:nvSpPr>
+          <p:cNvPr id="4" name="슬라이드 번호 개체 틀 3"/>
+          <p:cNvSpPr>
+            <a:spLocks noGrp="1"/>
+          </p:cNvSpPr>
+          <p:nvPr>
+            <p:ph type="sldNum" sz="quarter" idx="12"/>
+          </p:nvPr>
+        </p:nvSpPr>
+        <p:spPr/>
+        <p:txBody>
+          <a:bodyPr/>
+          <a:lstStyle/>
+          <a:p>
+            <a:fld id="{4CA1D5AE-3018-49FC-B3E0-A1E0E9567469}" type="slidenum">
+              <a:rPr lang="ko-KR" altLang="en-US" smtClean="0"/>
+              <a:pPr/>
+              <a:t>7</a:t>
+            </a:fld>
+            <a:endParaRPr lang="ko-KR" altLang="en-US"/>
+          </a:p>
+        </p:txBody>
+      </p:sp>
       <p:pic>
         <p:nvPicPr>
-          <p:cNvPr id="3" name="내용 개체 틀 2"/>
+          <p:cNvPr id="2" name="그림 1"/>
           <p:cNvPicPr>
-            <a:picLocks noGrp="1" noChangeAspect="1"/>
+            <a:picLocks noChangeAspect="1"/>
           </p:cNvPicPr>
-          <p:nvPr>
-            <p:ph idx="1"/>
-          </p:nvPr>
+          <p:nvPr/>
         </p:nvPicPr>
         <p:blipFill>
-          <a:blip r:embed="rId2"/>
+          <a:blip r:embed="rId3"/>
           <a:stretch>
             <a:fillRect/>
           </a:stretch>
         </p:blipFill>
         <p:spPr>
           <a:xfrm>
-            <a:off x="323850" y="2278667"/>
-            <a:ext cx="8496300" cy="2157790"/>
+            <a:off x="50800" y="1803400"/>
+            <a:ext cx="9042400" cy="3251200"/>
           </a:xfrm>
           <a:prstGeom prst="rect">
             <a:avLst/>
           </a:prstGeom>
         </p:spPr>
       </p:pic>
-      <p:sp>
-        <p:nvSpPr>
-          <p:cNvPr id="4" name="슬라이드 번호 개체 틀 3"/>
-          <p:cNvSpPr>
-            <a:spLocks noGrp="1"/>
-          </p:cNvSpPr>
-          <p:nvPr>
-            <p:ph type="sldNum" sz="quarter" idx="12"/>
-          </p:nvPr>
-        </p:nvSpPr>
-        <p:spPr/>
-        <p:txBody>
-          <a:bodyPr/>
-          <a:lstStyle/>
-          <a:p>
-            <a:fld id="{4CA1D5AE-3018-49FC-B3E0-A1E0E9567469}" type="slidenum">
-              <a:rPr lang="ko-KR" altLang="en-US" smtClean="0"/>
-              <a:pPr/>
-              <a:t>7</a:t>
-            </a:fld>
-            <a:endParaRPr lang="ko-KR" altLang="en-US"/>
-          </a:p>
-        </p:txBody>
-      </p:sp>
     </p:spTree>
     <p:extLst>
       <p:ext uri="{BB962C8B-B14F-4D97-AF65-F5344CB8AC3E}">
-        <p14:creationId xmlns:p14="http://schemas.microsoft.com/office/powerpoint/2010/main" val="1460935389"/>
+        <p14:creationId xmlns:p14="http://schemas.microsoft.com/office/powerpoint/2010/main" val="128228222"/>
       </p:ext>
     </p:extLst>
   </p:cSld>
@@ -4473,60 +7119,58 @@
           <a:chExt cx="0" cy="0"/>
         </a:xfrm>
       </p:grpSpPr>
+      <p:sp>
+        <p:nvSpPr>
+          <p:cNvPr id="4" name="슬라이드 번호 개체 틀 3"/>
+          <p:cNvSpPr>
+            <a:spLocks noGrp="1"/>
+          </p:cNvSpPr>
+          <p:nvPr>
+            <p:ph type="sldNum" sz="quarter" idx="12"/>
+          </p:nvPr>
+        </p:nvSpPr>
+        <p:spPr/>
+        <p:txBody>
+          <a:bodyPr/>
+          <a:lstStyle/>
+          <a:p>
+            <a:fld id="{4CA1D5AE-3018-49FC-B3E0-A1E0E9567469}" type="slidenum">
+              <a:rPr lang="ko-KR" altLang="en-US" smtClean="0"/>
+              <a:pPr/>
+              <a:t>8</a:t>
+            </a:fld>
+            <a:endParaRPr lang="ko-KR" altLang="en-US"/>
+          </a:p>
+        </p:txBody>
+      </p:sp>
       <p:pic>
         <p:nvPicPr>
-          <p:cNvPr id="3" name="내용 개체 틀 2"/>
+          <p:cNvPr id="2" name="그림 1"/>
           <p:cNvPicPr>
-            <a:picLocks noGrp="1" noChangeAspect="1"/>
+            <a:picLocks noChangeAspect="1"/>
           </p:cNvPicPr>
-          <p:nvPr>
-            <p:ph idx="1"/>
-          </p:nvPr>
+          <p:nvPr/>
         </p:nvPicPr>
         <p:blipFill>
-          <a:blip r:embed="rId2"/>
+          <a:blip r:embed="rId3"/>
           <a:stretch>
             <a:fillRect/>
           </a:stretch>
         </p:blipFill>
         <p:spPr>
           <a:xfrm>
-            <a:off x="323850" y="2525504"/>
-            <a:ext cx="8496300" cy="1664117"/>
+            <a:off x="44450" y="2152650"/>
+            <a:ext cx="9055100" cy="2552700"/>
           </a:xfrm>
           <a:prstGeom prst="rect">
             <a:avLst/>
           </a:prstGeom>
         </p:spPr>
       </p:pic>
-      <p:sp>
-        <p:nvSpPr>
-          <p:cNvPr id="4" name="슬라이드 번호 개체 틀 3"/>
-          <p:cNvSpPr>
-            <a:spLocks noGrp="1"/>
-          </p:cNvSpPr>
-          <p:nvPr>
-            <p:ph type="sldNum" sz="quarter" idx="12"/>
-          </p:nvPr>
-        </p:nvSpPr>
-        <p:spPr/>
-        <p:txBody>
-          <a:bodyPr/>
-          <a:lstStyle/>
-          <a:p>
-            <a:fld id="{4CA1D5AE-3018-49FC-B3E0-A1E0E9567469}" type="slidenum">
-              <a:rPr lang="ko-KR" altLang="en-US" smtClean="0"/>
-              <a:pPr/>
-              <a:t>8</a:t>
-            </a:fld>
-            <a:endParaRPr lang="ko-KR" altLang="en-US"/>
-          </a:p>
-        </p:txBody>
-      </p:sp>
     </p:spTree>
     <p:extLst>
       <p:ext uri="{BB962C8B-B14F-4D97-AF65-F5344CB8AC3E}">
-        <p14:creationId xmlns:p14="http://schemas.microsoft.com/office/powerpoint/2010/main" val="1760546772"/>
+        <p14:creationId xmlns:p14="http://schemas.microsoft.com/office/powerpoint/2010/main" val="9098803"/>
       </p:ext>
     </p:extLst>
   </p:cSld>
@@ -4553,60 +7197,58 @@
           <a:chExt cx="0" cy="0"/>
         </a:xfrm>
       </p:grpSpPr>
+      <p:sp>
+        <p:nvSpPr>
+          <p:cNvPr id="4" name="슬라이드 번호 개체 틀 3"/>
+          <p:cNvSpPr>
+            <a:spLocks noGrp="1"/>
+          </p:cNvSpPr>
+          <p:nvPr>
+            <p:ph type="sldNum" sz="quarter" idx="12"/>
+          </p:nvPr>
+        </p:nvSpPr>
+        <p:spPr/>
+        <p:txBody>
+          <a:bodyPr/>
+          <a:lstStyle/>
+          <a:p>
+            <a:fld id="{4CA1D5AE-3018-49FC-B3E0-A1E0E9567469}" type="slidenum">
+              <a:rPr lang="ko-KR" altLang="en-US" smtClean="0"/>
+              <a:pPr/>
+              <a:t>9</a:t>
+            </a:fld>
+            <a:endParaRPr lang="ko-KR" altLang="en-US"/>
+          </a:p>
+        </p:txBody>
+      </p:sp>
       <p:pic>
         <p:nvPicPr>
-          <p:cNvPr id="3" name="내용 개체 틀 2"/>
+          <p:cNvPr id="2" name="그림 1"/>
           <p:cNvPicPr>
-            <a:picLocks noGrp="1" noChangeAspect="1"/>
+            <a:picLocks noChangeAspect="1"/>
           </p:cNvPicPr>
-          <p:nvPr>
-            <p:ph idx="1"/>
-          </p:nvPr>
+          <p:nvPr/>
         </p:nvPicPr>
         <p:blipFill>
-          <a:blip r:embed="rId2"/>
+          <a:blip r:embed="rId3"/>
           <a:stretch>
             <a:fillRect/>
           </a:stretch>
         </p:blipFill>
         <p:spPr>
           <a:xfrm>
-            <a:off x="323850" y="2783907"/>
-            <a:ext cx="8496300" cy="1147310"/>
+            <a:off x="50800" y="2520950"/>
+            <a:ext cx="9042400" cy="1816100"/>
           </a:xfrm>
           <a:prstGeom prst="rect">
             <a:avLst/>
           </a:prstGeom>
         </p:spPr>
       </p:pic>
-      <p:sp>
-        <p:nvSpPr>
-          <p:cNvPr id="4" name="슬라이드 번호 개체 틀 3"/>
-          <p:cNvSpPr>
-            <a:spLocks noGrp="1"/>
-          </p:cNvSpPr>
-          <p:nvPr>
-            <p:ph type="sldNum" sz="quarter" idx="12"/>
-          </p:nvPr>
-        </p:nvSpPr>
-        <p:spPr/>
-        <p:txBody>
-          <a:bodyPr/>
-          <a:lstStyle/>
-          <a:p>
-            <a:fld id="{4CA1D5AE-3018-49FC-B3E0-A1E0E9567469}" type="slidenum">
-              <a:rPr lang="ko-KR" altLang="en-US" smtClean="0"/>
-              <a:pPr/>
-              <a:t>9</a:t>
-            </a:fld>
-            <a:endParaRPr lang="ko-KR" altLang="en-US"/>
-          </a:p>
-        </p:txBody>
-      </p:sp>
     </p:spTree>
     <p:extLst>
       <p:ext uri="{BB962C8B-B14F-4D97-AF65-F5344CB8AC3E}">
-        <p14:creationId xmlns:p14="http://schemas.microsoft.com/office/powerpoint/2010/main" val="1479908638"/>
+        <p14:creationId xmlns:p14="http://schemas.microsoft.com/office/powerpoint/2010/main" val="904886055"/>
       </p:ext>
     </p:extLst>
   </p:cSld>
